--- a/bbp-style-pack/images/style.pptx
+++ b/bbp-style-pack/images/style.pptx
@@ -5,7 +5,7 @@
     <p:sldMasterId id="2147483648" r:id="rId1"/>
   </p:sldMasterIdLst>
   <p:notesMasterIdLst>
-    <p:notesMasterId r:id="rId43"/>
+    <p:notesMasterId r:id="rId44"/>
   </p:notesMasterIdLst>
   <p:sldIdLst>
     <p:sldId id="256" r:id="rId2"/>
@@ -43,12 +43,13 @@
     <p:sldId id="288" r:id="rId34"/>
     <p:sldId id="289" r:id="rId35"/>
     <p:sldId id="290" r:id="rId36"/>
-    <p:sldId id="291" r:id="rId37"/>
-    <p:sldId id="292" r:id="rId38"/>
-    <p:sldId id="293" r:id="rId39"/>
-    <p:sldId id="294" r:id="rId40"/>
-    <p:sldId id="295" r:id="rId41"/>
-    <p:sldId id="296" r:id="rId42"/>
+    <p:sldId id="298" r:id="rId37"/>
+    <p:sldId id="291" r:id="rId38"/>
+    <p:sldId id="292" r:id="rId39"/>
+    <p:sldId id="293" r:id="rId40"/>
+    <p:sldId id="294" r:id="rId41"/>
+    <p:sldId id="295" r:id="rId42"/>
+    <p:sldId id="296" r:id="rId43"/>
   </p:sldIdLst>
   <p:sldSz cx="9144000" cy="6858000" type="screen4x3"/>
   <p:notesSz cx="6858000" cy="9144000"/>
@@ -169,7 +170,7 @@
 <file path=ppt/revisionInfo.xml><?xml version="1.0" encoding="utf-8"?>
 <p1510:revInfo xmlns:a="http://schemas.openxmlformats.org/drawingml/2006/main" xmlns:r="http://schemas.openxmlformats.org/officeDocument/2006/relationships" xmlns:p1510="http://schemas.microsoft.com/office/powerpoint/2015/10/main">
   <p1510:revLst>
-    <p1510:client id="{AF748CDB-9C3C-4299-A4F7-8FE850BD8E0B}" v="5" dt="2024-06-05T13:06:08.211"/>
+    <p1510:client id="{152A8D3E-CB2A-499D-9738-25D11458110A}" v="3" dt="2025-03-03T17:21:00.848"/>
   </p1510:revLst>
 </p1510:revInfo>
 </file>
@@ -189,94 +190,6 @@
           <pc:docMk/>
           <pc:sldMk cId="2901840909" sldId="289"/>
         </pc:sldMkLst>
-        <pc:spChg chg="add mod">
-          <ac:chgData name="Oaklands Pigs" userId="ce1af3a19a52ca63" providerId="LiveId" clId="{86AB4C9A-1FD3-460C-A872-53BAFDC4D3A9}" dt="2023-01-05T16:39:03.142" v="37" actId="20577"/>
-          <ac:spMkLst>
-            <pc:docMk/>
-            <pc:sldMk cId="2901840909" sldId="289"/>
-            <ac:spMk id="6" creationId="{49B8759D-BB3D-61A8-2F7A-74EE68B308F5}"/>
-          </ac:spMkLst>
-        </pc:spChg>
-        <pc:spChg chg="add mod">
-          <ac:chgData name="Oaklands Pigs" userId="ce1af3a19a52ca63" providerId="LiveId" clId="{86AB4C9A-1FD3-460C-A872-53BAFDC4D3A9}" dt="2023-01-05T16:40:42.480" v="47" actId="1076"/>
-          <ac:spMkLst>
-            <pc:docMk/>
-            <pc:sldMk cId="2901840909" sldId="289"/>
-            <ac:spMk id="10" creationId="{CB6C8C60-39D7-0D16-C8E9-5E005879B91A}"/>
-          </ac:spMkLst>
-        </pc:spChg>
-        <pc:picChg chg="add">
-          <ac:chgData name="Oaklands Pigs" userId="ce1af3a19a52ca63" providerId="LiveId" clId="{86AB4C9A-1FD3-460C-A872-53BAFDC4D3A9}" dt="2023-01-05T16:34:44.744" v="1" actId="22"/>
-          <ac:picMkLst>
-            <pc:docMk/>
-            <pc:sldMk cId="2901840909" sldId="289"/>
-            <ac:picMk id="3" creationId="{D813EB41-2AA2-A2E2-EA69-28DB5DA7CEAD}"/>
-          </ac:picMkLst>
-        </pc:picChg>
-        <pc:picChg chg="add mod">
-          <ac:chgData name="Oaklands Pigs" userId="ce1af3a19a52ca63" providerId="LiveId" clId="{86AB4C9A-1FD3-460C-A872-53BAFDC4D3A9}" dt="2023-01-05T16:37:15.698" v="22" actId="1036"/>
-          <ac:picMkLst>
-            <pc:docMk/>
-            <pc:sldMk cId="2901840909" sldId="289"/>
-            <ac:picMk id="5" creationId="{8AA774B3-4984-0B80-463C-C0FEA783FB63}"/>
-          </ac:picMkLst>
-        </pc:picChg>
-        <pc:picChg chg="add del mod">
-          <ac:chgData name="Oaklands Pigs" userId="ce1af3a19a52ca63" providerId="LiveId" clId="{86AB4C9A-1FD3-460C-A872-53BAFDC4D3A9}" dt="2023-01-05T16:38:03.856" v="26"/>
-          <ac:picMkLst>
-            <pc:docMk/>
-            <pc:sldMk cId="2901840909" sldId="289"/>
-            <ac:picMk id="7" creationId="{B87B06EA-4EB8-2F8A-FBEE-ED984089906B}"/>
-          </ac:picMkLst>
-        </pc:picChg>
-        <pc:picChg chg="add del mod">
-          <ac:chgData name="Oaklands Pigs" userId="ce1af3a19a52ca63" providerId="LiveId" clId="{86AB4C9A-1FD3-460C-A872-53BAFDC4D3A9}" dt="2023-01-05T16:38:08.829" v="28"/>
-          <ac:picMkLst>
-            <pc:docMk/>
-            <pc:sldMk cId="2901840909" sldId="289"/>
-            <ac:picMk id="8" creationId="{2C55416B-CEDA-2DE1-2F73-407FED85F55F}"/>
-          </ac:picMkLst>
-        </pc:picChg>
-        <pc:picChg chg="add del mod">
-          <ac:chgData name="Oaklands Pigs" userId="ce1af3a19a52ca63" providerId="LiveId" clId="{86AB4C9A-1FD3-460C-A872-53BAFDC4D3A9}" dt="2023-01-05T16:38:19.798" v="30"/>
-          <ac:picMkLst>
-            <pc:docMk/>
-            <pc:sldMk cId="2901840909" sldId="289"/>
-            <ac:picMk id="9" creationId="{1CF4327E-65FD-809F-2C0E-C354185C91DB}"/>
-          </ac:picMkLst>
-        </pc:picChg>
-        <pc:cxnChg chg="add mod">
-          <ac:chgData name="Oaklands Pigs" userId="ce1af3a19a52ca63" providerId="LiveId" clId="{86AB4C9A-1FD3-460C-A872-53BAFDC4D3A9}" dt="2023-01-05T16:40:13.478" v="40" actId="14100"/>
-          <ac:cxnSpMkLst>
-            <pc:docMk/>
-            <pc:sldMk cId="2901840909" sldId="289"/>
-            <ac:cxnSpMk id="12" creationId="{78CF3E74-0537-91E6-AD66-DA2169CACB9A}"/>
-          </ac:cxnSpMkLst>
-        </pc:cxnChg>
-        <pc:cxnChg chg="add mod">
-          <ac:chgData name="Oaklands Pigs" userId="ce1af3a19a52ca63" providerId="LiveId" clId="{86AB4C9A-1FD3-460C-A872-53BAFDC4D3A9}" dt="2023-01-05T16:40:38.206" v="46" actId="1076"/>
-          <ac:cxnSpMkLst>
-            <pc:docMk/>
-            <pc:sldMk cId="2901840909" sldId="289"/>
-            <ac:cxnSpMk id="15" creationId="{C414F4B0-5D71-DEDC-ED0F-EB48D95B243D}"/>
-          </ac:cxnSpMkLst>
-        </pc:cxnChg>
-        <pc:cxnChg chg="add mod">
-          <ac:chgData name="Oaklands Pigs" userId="ce1af3a19a52ca63" providerId="LiveId" clId="{86AB4C9A-1FD3-460C-A872-53BAFDC4D3A9}" dt="2023-01-05T16:41:30.243" v="53" actId="14100"/>
-          <ac:cxnSpMkLst>
-            <pc:docMk/>
-            <pc:sldMk cId="2901840909" sldId="289"/>
-            <ac:cxnSpMk id="18" creationId="{55493F47-137F-5FBB-4BDB-ED0718AC4A6A}"/>
-          </ac:cxnSpMkLst>
-        </pc:cxnChg>
-        <pc:cxnChg chg="add mod">
-          <ac:chgData name="Oaklands Pigs" userId="ce1af3a19a52ca63" providerId="LiveId" clId="{86AB4C9A-1FD3-460C-A872-53BAFDC4D3A9}" dt="2023-01-05T16:41:44.447" v="57" actId="1076"/>
-          <ac:cxnSpMkLst>
-            <pc:docMk/>
-            <pc:sldMk cId="2901840909" sldId="289"/>
-            <ac:cxnSpMk id="22" creationId="{81C4F01D-99FD-4412-EB37-02F4091F5662}"/>
-          </ac:cxnSpMkLst>
-        </pc:cxnChg>
       </pc:sldChg>
       <pc:sldChg chg="addSp delSp modSp new mod">
         <pc:chgData name="Oaklands Pigs" userId="ce1af3a19a52ca63" providerId="LiveId" clId="{86AB4C9A-1FD3-460C-A872-53BAFDC4D3A9}" dt="2023-01-05T18:03:06.289" v="124" actId="1076"/>
@@ -284,70 +197,6 @@
           <pc:docMk/>
           <pc:sldMk cId="1725799821" sldId="290"/>
         </pc:sldMkLst>
-        <pc:spChg chg="add del mod">
-          <ac:chgData name="Oaklands Pigs" userId="ce1af3a19a52ca63" providerId="LiveId" clId="{86AB4C9A-1FD3-460C-A872-53BAFDC4D3A9}" dt="2023-01-05T18:03:02.138" v="118" actId="478"/>
-          <ac:spMkLst>
-            <pc:docMk/>
-            <pc:sldMk cId="1725799821" sldId="290"/>
-            <ac:spMk id="4" creationId="{95BAE672-5DE2-289A-3885-AF2216A0F485}"/>
-          </ac:spMkLst>
-        </pc:spChg>
-        <pc:spChg chg="add mod">
-          <ac:chgData name="Oaklands Pigs" userId="ce1af3a19a52ca63" providerId="LiveId" clId="{86AB4C9A-1FD3-460C-A872-53BAFDC4D3A9}" dt="2023-01-05T18:03:06.289" v="124" actId="1076"/>
-          <ac:spMkLst>
-            <pc:docMk/>
-            <pc:sldMk cId="1725799821" sldId="290"/>
-            <ac:spMk id="5" creationId="{121F52B6-6C79-FDEE-C872-44BB3CA8296B}"/>
-          </ac:spMkLst>
-        </pc:spChg>
-        <pc:picChg chg="add">
-          <ac:chgData name="Oaklands Pigs" userId="ce1af3a19a52ca63" providerId="LiveId" clId="{86AB4C9A-1FD3-460C-A872-53BAFDC4D3A9}" dt="2023-01-05T17:32:48.963" v="59" actId="22"/>
-          <ac:picMkLst>
-            <pc:docMk/>
-            <pc:sldMk cId="1725799821" sldId="290"/>
-            <ac:picMk id="3" creationId="{7E069FE5-22E4-FF93-41FE-0AC5492E812C}"/>
-          </ac:picMkLst>
-        </pc:picChg>
-        <pc:cxnChg chg="add del mod">
-          <ac:chgData name="Oaklands Pigs" userId="ce1af3a19a52ca63" providerId="LiveId" clId="{86AB4C9A-1FD3-460C-A872-53BAFDC4D3A9}" dt="2023-01-05T18:03:00.080" v="117" actId="478"/>
-          <ac:cxnSpMkLst>
-            <pc:docMk/>
-            <pc:sldMk cId="1725799821" sldId="290"/>
-            <ac:cxnSpMk id="6" creationId="{BE424F59-C02B-6DD8-9A61-50356D363F1C}"/>
-          </ac:cxnSpMkLst>
-        </pc:cxnChg>
-        <pc:cxnChg chg="add del mod">
-          <ac:chgData name="Oaklands Pigs" userId="ce1af3a19a52ca63" providerId="LiveId" clId="{86AB4C9A-1FD3-460C-A872-53BAFDC4D3A9}" dt="2023-01-05T18:03:02.802" v="119" actId="478"/>
-          <ac:cxnSpMkLst>
-            <pc:docMk/>
-            <pc:sldMk cId="1725799821" sldId="290"/>
-            <ac:cxnSpMk id="7" creationId="{F9314C70-11FC-E0DF-0501-0C8B588D26AC}"/>
-          </ac:cxnSpMkLst>
-        </pc:cxnChg>
-        <pc:cxnChg chg="add del mod">
-          <ac:chgData name="Oaklands Pigs" userId="ce1af3a19a52ca63" providerId="LiveId" clId="{86AB4C9A-1FD3-460C-A872-53BAFDC4D3A9}" dt="2023-01-05T17:33:29.120" v="66" actId="478"/>
-          <ac:cxnSpMkLst>
-            <pc:docMk/>
-            <pc:sldMk cId="1725799821" sldId="290"/>
-            <ac:cxnSpMk id="8" creationId="{FBE6B18C-0617-A56B-7A03-3DF1ADAE1F6A}"/>
-          </ac:cxnSpMkLst>
-        </pc:cxnChg>
-        <pc:cxnChg chg="add mod">
-          <ac:chgData name="Oaklands Pigs" userId="ce1af3a19a52ca63" providerId="LiveId" clId="{86AB4C9A-1FD3-460C-A872-53BAFDC4D3A9}" dt="2023-01-05T18:03:04.873" v="122" actId="1076"/>
-          <ac:cxnSpMkLst>
-            <pc:docMk/>
-            <pc:sldMk cId="1725799821" sldId="290"/>
-            <ac:cxnSpMk id="9" creationId="{DBF5C586-0E8D-B93B-B431-070B8BE7C8F4}"/>
-          </ac:cxnSpMkLst>
-        </pc:cxnChg>
-        <pc:cxnChg chg="add del mod">
-          <ac:chgData name="Oaklands Pigs" userId="ce1af3a19a52ca63" providerId="LiveId" clId="{86AB4C9A-1FD3-460C-A872-53BAFDC4D3A9}" dt="2023-01-05T18:03:06.289" v="124" actId="1076"/>
-          <ac:cxnSpMkLst>
-            <pc:docMk/>
-            <pc:sldMk cId="1725799821" sldId="290"/>
-            <ac:cxnSpMk id="12" creationId="{4C5C4401-5C1C-E691-ECD5-D068ABDE495B}"/>
-          </ac:cxnSpMkLst>
-        </pc:cxnChg>
       </pc:sldChg>
       <pc:sldChg chg="addSp modSp new mod">
         <pc:chgData name="Oaklands Pigs" userId="ce1af3a19a52ca63" providerId="LiveId" clId="{86AB4C9A-1FD3-460C-A872-53BAFDC4D3A9}" dt="2023-01-05T18:03:55.013" v="134" actId="1076"/>
@@ -355,30 +204,6 @@
           <pc:docMk/>
           <pc:sldMk cId="2585201149" sldId="291"/>
         </pc:sldMkLst>
-        <pc:spChg chg="add mod">
-          <ac:chgData name="Oaklands Pigs" userId="ce1af3a19a52ca63" providerId="LiveId" clId="{86AB4C9A-1FD3-460C-A872-53BAFDC4D3A9}" dt="2023-01-05T18:03:55.013" v="134" actId="1076"/>
-          <ac:spMkLst>
-            <pc:docMk/>
-            <pc:sldMk cId="2585201149" sldId="291"/>
-            <ac:spMk id="4" creationId="{521DC695-2083-0875-DDB1-F87081B25C39}"/>
-          </ac:spMkLst>
-        </pc:spChg>
-        <pc:picChg chg="add">
-          <ac:chgData name="Oaklands Pigs" userId="ce1af3a19a52ca63" providerId="LiveId" clId="{86AB4C9A-1FD3-460C-A872-53BAFDC4D3A9}" dt="2023-01-05T17:51:23.015" v="90" actId="22"/>
-          <ac:picMkLst>
-            <pc:docMk/>
-            <pc:sldMk cId="2585201149" sldId="291"/>
-            <ac:picMk id="3" creationId="{2C2332E9-6E78-811C-B399-69657BFC9E9D}"/>
-          </ac:picMkLst>
-        </pc:picChg>
-        <pc:cxnChg chg="add mod">
-          <ac:chgData name="Oaklands Pigs" userId="ce1af3a19a52ca63" providerId="LiveId" clId="{86AB4C9A-1FD3-460C-A872-53BAFDC4D3A9}" dt="2023-01-05T18:03:49.687" v="132" actId="1076"/>
-          <ac:cxnSpMkLst>
-            <pc:docMk/>
-            <pc:sldMk cId="2585201149" sldId="291"/>
-            <ac:cxnSpMk id="5" creationId="{5BBC56A1-7C4D-E63B-A0F5-5235D2C817B2}"/>
-          </ac:cxnSpMkLst>
-        </pc:cxnChg>
       </pc:sldChg>
       <pc:sldChg chg="addSp delSp modSp new mod">
         <pc:chgData name="Oaklands Pigs" userId="ce1af3a19a52ca63" providerId="LiveId" clId="{86AB4C9A-1FD3-460C-A872-53BAFDC4D3A9}" dt="2023-01-05T18:08:00.664" v="180" actId="1076"/>
@@ -386,102 +211,6 @@
           <pc:docMk/>
           <pc:sldMk cId="122566778" sldId="292"/>
         </pc:sldMkLst>
-        <pc:spChg chg="add mod">
-          <ac:chgData name="Oaklands Pigs" userId="ce1af3a19a52ca63" providerId="LiveId" clId="{86AB4C9A-1FD3-460C-A872-53BAFDC4D3A9}" dt="2023-01-05T18:06:07.387" v="152" actId="1076"/>
-          <ac:spMkLst>
-            <pc:docMk/>
-            <pc:sldMk cId="122566778" sldId="292"/>
-            <ac:spMk id="7" creationId="{4F291A25-6BC2-09A5-7BF4-849492BA5CB6}"/>
-          </ac:spMkLst>
-        </pc:spChg>
-        <pc:spChg chg="add mod">
-          <ac:chgData name="Oaklands Pigs" userId="ce1af3a19a52ca63" providerId="LiveId" clId="{86AB4C9A-1FD3-460C-A872-53BAFDC4D3A9}" dt="2023-01-05T18:07:08.829" v="163" actId="20577"/>
-          <ac:spMkLst>
-            <pc:docMk/>
-            <pc:sldMk cId="122566778" sldId="292"/>
-            <ac:spMk id="17" creationId="{220D2551-C068-B8CB-44D5-DE83A359BE27}"/>
-          </ac:spMkLst>
-        </pc:spChg>
-        <pc:spChg chg="add mod">
-          <ac:chgData name="Oaklands Pigs" userId="ce1af3a19a52ca63" providerId="LiveId" clId="{86AB4C9A-1FD3-460C-A872-53BAFDC4D3A9}" dt="2023-01-05T18:07:42.524" v="170" actId="1076"/>
-          <ac:spMkLst>
-            <pc:docMk/>
-            <pc:sldMk cId="122566778" sldId="292"/>
-            <ac:spMk id="18" creationId="{1FBF79CA-8A71-9320-E030-B756707F916F}"/>
-          </ac:spMkLst>
-        </pc:spChg>
-        <pc:picChg chg="add mod">
-          <ac:chgData name="Oaklands Pigs" userId="ce1af3a19a52ca63" providerId="LiveId" clId="{86AB4C9A-1FD3-460C-A872-53BAFDC4D3A9}" dt="2023-01-05T18:05:31.733" v="146" actId="1076"/>
-          <ac:picMkLst>
-            <pc:docMk/>
-            <pc:sldMk cId="122566778" sldId="292"/>
-            <ac:picMk id="4" creationId="{16452C59-139E-8BDB-63A4-D8C7B2D29E44}"/>
-          </ac:picMkLst>
-        </pc:picChg>
-        <pc:picChg chg="add mod">
-          <ac:chgData name="Oaklands Pigs" userId="ce1af3a19a52ca63" providerId="LiveId" clId="{86AB4C9A-1FD3-460C-A872-53BAFDC4D3A9}" dt="2023-01-05T18:05:08.188" v="140" actId="1076"/>
-          <ac:picMkLst>
-            <pc:docMk/>
-            <pc:sldMk cId="122566778" sldId="292"/>
-            <ac:picMk id="6" creationId="{77B8ECB8-9905-D2B8-C27B-DBB945DFE390}"/>
-          </ac:picMkLst>
-        </pc:picChg>
-        <pc:picChg chg="add mod">
-          <ac:chgData name="Oaklands Pigs" userId="ce1af3a19a52ca63" providerId="LiveId" clId="{86AB4C9A-1FD3-460C-A872-53BAFDC4D3A9}" dt="2023-01-05T18:06:34.249" v="156" actId="1076"/>
-          <ac:picMkLst>
-            <pc:docMk/>
-            <pc:sldMk cId="122566778" sldId="292"/>
-            <ac:picMk id="15" creationId="{2EED87AF-8CD9-FCAF-1859-E5F060C05D6A}"/>
-          </ac:picMkLst>
-        </pc:picChg>
-        <pc:picChg chg="add mod">
-          <ac:chgData name="Oaklands Pigs" userId="ce1af3a19a52ca63" providerId="LiveId" clId="{86AB4C9A-1FD3-460C-A872-53BAFDC4D3A9}" dt="2023-01-05T18:06:43.315" v="159" actId="1076"/>
-          <ac:picMkLst>
-            <pc:docMk/>
-            <pc:sldMk cId="122566778" sldId="292"/>
-            <ac:picMk id="16" creationId="{E07A1B7B-68EE-8F86-B314-CEE2E33C19C7}"/>
-          </ac:picMkLst>
-        </pc:picChg>
-        <pc:cxnChg chg="add del mod">
-          <ac:chgData name="Oaklands Pigs" userId="ce1af3a19a52ca63" providerId="LiveId" clId="{86AB4C9A-1FD3-460C-A872-53BAFDC4D3A9}" dt="2023-01-05T18:04:18.771" v="137"/>
-          <ac:cxnSpMkLst>
-            <pc:docMk/>
-            <pc:sldMk cId="122566778" sldId="292"/>
-            <ac:cxnSpMk id="2" creationId="{2F53EF4D-A143-4ADE-5144-E288646BA81A}"/>
-          </ac:cxnSpMkLst>
-        </pc:cxnChg>
-        <pc:cxnChg chg="add mod">
-          <ac:chgData name="Oaklands Pigs" userId="ce1af3a19a52ca63" providerId="LiveId" clId="{86AB4C9A-1FD3-460C-A872-53BAFDC4D3A9}" dt="2023-01-05T18:06:13.493" v="154" actId="1076"/>
-          <ac:cxnSpMkLst>
-            <pc:docMk/>
-            <pc:sldMk cId="122566778" sldId="292"/>
-            <ac:cxnSpMk id="9" creationId="{841F6BF1-5ED3-B6AF-8561-FF938F2596BC}"/>
-          </ac:cxnSpMkLst>
-        </pc:cxnChg>
-        <pc:cxnChg chg="add mod">
-          <ac:chgData name="Oaklands Pigs" userId="ce1af3a19a52ca63" providerId="LiveId" clId="{86AB4C9A-1FD3-460C-A872-53BAFDC4D3A9}" dt="2023-01-05T18:06:03.926" v="151" actId="14100"/>
-          <ac:cxnSpMkLst>
-            <pc:docMk/>
-            <pc:sldMk cId="122566778" sldId="292"/>
-            <ac:cxnSpMk id="12" creationId="{C8FF443C-CE07-A7B0-579C-3B19DC98B3F7}"/>
-          </ac:cxnSpMkLst>
-        </pc:cxnChg>
-        <pc:cxnChg chg="add mod">
-          <ac:chgData name="Oaklands Pigs" userId="ce1af3a19a52ca63" providerId="LiveId" clId="{86AB4C9A-1FD3-460C-A872-53BAFDC4D3A9}" dt="2023-01-05T18:07:46.019" v="175" actId="1035"/>
-          <ac:cxnSpMkLst>
-            <pc:docMk/>
-            <pc:sldMk cId="122566778" sldId="292"/>
-            <ac:cxnSpMk id="19" creationId="{2AB7CDA9-EA53-444D-F0C3-F823A5F79C17}"/>
-          </ac:cxnSpMkLst>
-        </pc:cxnChg>
-        <pc:cxnChg chg="add mod">
-          <ac:chgData name="Oaklands Pigs" userId="ce1af3a19a52ca63" providerId="LiveId" clId="{86AB4C9A-1FD3-460C-A872-53BAFDC4D3A9}" dt="2023-01-05T18:08:00.664" v="180" actId="1076"/>
-          <ac:cxnSpMkLst>
-            <pc:docMk/>
-            <pc:sldMk cId="122566778" sldId="292"/>
-            <ac:cxnSpMk id="20" creationId="{14669BEA-69FB-6424-971E-A18848EFFE56}"/>
-          </ac:cxnSpMkLst>
-        </pc:cxnChg>
       </pc:sldChg>
       <pc:sldChg chg="addSp delSp modSp new del mod">
         <pc:chgData name="Oaklands Pigs" userId="ce1af3a19a52ca63" providerId="LiveId" clId="{86AB4C9A-1FD3-460C-A872-53BAFDC4D3A9}" dt="2023-01-05T18:02:57.516" v="116" actId="680"/>
@@ -489,30 +218,6 @@
           <pc:docMk/>
           <pc:sldMk cId="817786651" sldId="292"/>
         </pc:sldMkLst>
-        <pc:picChg chg="add del">
-          <ac:chgData name="Oaklands Pigs" userId="ce1af3a19a52ca63" providerId="LiveId" clId="{86AB4C9A-1FD3-460C-A872-53BAFDC4D3A9}" dt="2023-01-05T18:02:56.827" v="115" actId="22"/>
-          <ac:picMkLst>
-            <pc:docMk/>
-            <pc:sldMk cId="817786651" sldId="292"/>
-            <ac:picMk id="3" creationId="{CB74DFC7-B0BC-520A-2155-08D44D97188C}"/>
-          </ac:picMkLst>
-        </pc:picChg>
-        <pc:picChg chg="add del mod">
-          <ac:chgData name="Oaklands Pigs" userId="ce1af3a19a52ca63" providerId="LiveId" clId="{86AB4C9A-1FD3-460C-A872-53BAFDC4D3A9}" dt="2023-01-05T18:02:56.477" v="114" actId="22"/>
-          <ac:picMkLst>
-            <pc:docMk/>
-            <pc:sldMk cId="817786651" sldId="292"/>
-            <ac:picMk id="5" creationId="{ECA44578-8A96-B226-E957-79A5FD8CD86F}"/>
-          </ac:picMkLst>
-        </pc:picChg>
-        <pc:picChg chg="add del mod">
-          <ac:chgData name="Oaklands Pigs" userId="ce1af3a19a52ca63" providerId="LiveId" clId="{86AB4C9A-1FD3-460C-A872-53BAFDC4D3A9}" dt="2023-01-05T18:02:54.469" v="109"/>
-          <ac:picMkLst>
-            <pc:docMk/>
-            <pc:sldMk cId="817786651" sldId="292"/>
-            <ac:picMk id="6" creationId="{6D044A7F-10D7-AA14-C8F7-8D6ADAEA02C0}"/>
-          </ac:picMkLst>
-        </pc:picChg>
       </pc:sldChg>
     </pc:docChg>
   </pc:docChgLst>
@@ -529,342 +234,6 @@
           <pc:docMk/>
           <pc:sldMk cId="1131686503" sldId="285"/>
         </pc:sldMkLst>
-        <pc:spChg chg="del">
-          <ac:chgData name="Oaklands Pigs" userId="ce1af3a19a52ca63" providerId="LiveId" clId="{DF66D1BA-0D6B-45B0-9E57-6C97996EA013}" dt="2022-04-04T15:33:49.845" v="2" actId="478"/>
-          <ac:spMkLst>
-            <pc:docMk/>
-            <pc:sldMk cId="1131686503" sldId="285"/>
-            <ac:spMk id="6" creationId="{262AE1DA-574D-440E-B287-0805F2EA1949}"/>
-          </ac:spMkLst>
-        </pc:spChg>
-        <pc:spChg chg="del">
-          <ac:chgData name="Oaklands Pigs" userId="ce1af3a19a52ca63" providerId="LiveId" clId="{DF66D1BA-0D6B-45B0-9E57-6C97996EA013}" dt="2022-04-04T15:33:49.845" v="2" actId="478"/>
-          <ac:spMkLst>
-            <pc:docMk/>
-            <pc:sldMk cId="1131686503" sldId="285"/>
-            <ac:spMk id="9" creationId="{99B7D9EE-711A-4660-A180-58643EED64E1}"/>
-          </ac:spMkLst>
-        </pc:spChg>
-        <pc:spChg chg="del">
-          <ac:chgData name="Oaklands Pigs" userId="ce1af3a19a52ca63" providerId="LiveId" clId="{DF66D1BA-0D6B-45B0-9E57-6C97996EA013}" dt="2022-04-04T15:33:49.845" v="2" actId="478"/>
-          <ac:spMkLst>
-            <pc:docMk/>
-            <pc:sldMk cId="1131686503" sldId="285"/>
-            <ac:spMk id="10" creationId="{6476A4A2-6D8D-41F7-A614-059349D669CF}"/>
-          </ac:spMkLst>
-        </pc:spChg>
-        <pc:spChg chg="add del ord">
-          <ac:chgData name="Oaklands Pigs" userId="ce1af3a19a52ca63" providerId="LiveId" clId="{DF66D1BA-0D6B-45B0-9E57-6C97996EA013}" dt="2022-04-04T15:37:41.545" v="30" actId="11529"/>
-          <ac:spMkLst>
-            <pc:docMk/>
-            <pc:sldMk cId="1131686503" sldId="285"/>
-            <ac:spMk id="11" creationId="{03FFFC83-037C-442F-B26B-1F49B2FA6D1E}"/>
-          </ac:spMkLst>
-        </pc:spChg>
-        <pc:spChg chg="add mod ord">
-          <ac:chgData name="Oaklands Pigs" userId="ce1af3a19a52ca63" providerId="LiveId" clId="{DF66D1BA-0D6B-45B0-9E57-6C97996EA013}" dt="2022-04-06T17:02:30.973" v="319" actId="14100"/>
-          <ac:spMkLst>
-            <pc:docMk/>
-            <pc:sldMk cId="1131686503" sldId="285"/>
-            <ac:spMk id="13" creationId="{B44D81C9-C0E3-41DA-BB3A-664350AC2DDB}"/>
-          </ac:spMkLst>
-        </pc:spChg>
-        <pc:spChg chg="add mod">
-          <ac:chgData name="Oaklands Pigs" userId="ce1af3a19a52ca63" providerId="LiveId" clId="{DF66D1BA-0D6B-45B0-9E57-6C97996EA013}" dt="2022-04-06T17:04:12.191" v="324" actId="1076"/>
-          <ac:spMkLst>
-            <pc:docMk/>
-            <pc:sldMk cId="1131686503" sldId="285"/>
-            <ac:spMk id="16" creationId="{C36C48EC-69C0-48F7-8606-4C4A14D5786B}"/>
-          </ac:spMkLst>
-        </pc:spChg>
-        <pc:picChg chg="add mod ord">
-          <ac:chgData name="Oaklands Pigs" userId="ce1af3a19a52ca63" providerId="LiveId" clId="{DF66D1BA-0D6B-45B0-9E57-6C97996EA013}" dt="2022-04-06T17:04:51.773" v="331" actId="1076"/>
-          <ac:picMkLst>
-            <pc:docMk/>
-            <pc:sldMk cId="1131686503" sldId="285"/>
-            <ac:picMk id="3" creationId="{C9C65178-E7D9-447D-AD80-B3238CC0C84D}"/>
-          </ac:picMkLst>
-        </pc:picChg>
-        <pc:picChg chg="add del mod">
-          <ac:chgData name="Oaklands Pigs" userId="ce1af3a19a52ca63" providerId="LiveId" clId="{DF66D1BA-0D6B-45B0-9E57-6C97996EA013}" dt="2022-04-06T16:27:54.318" v="254" actId="478"/>
-          <ac:picMkLst>
-            <pc:docMk/>
-            <pc:sldMk cId="1131686503" sldId="285"/>
-            <ac:picMk id="4" creationId="{89003A37-8CCD-4E66-8090-3FE968D51FC7}"/>
-          </ac:picMkLst>
-        </pc:picChg>
-        <pc:picChg chg="add del mod">
-          <ac:chgData name="Oaklands Pigs" userId="ce1af3a19a52ca63" providerId="LiveId" clId="{DF66D1BA-0D6B-45B0-9E57-6C97996EA013}" dt="2022-04-07T16:36:30.535" v="350" actId="478"/>
-          <ac:picMkLst>
-            <pc:docMk/>
-            <pc:sldMk cId="1131686503" sldId="285"/>
-            <ac:picMk id="4" creationId="{FEF17A9E-CFAD-40F4-92E0-8A9FFDC80D45}"/>
-          </ac:picMkLst>
-        </pc:picChg>
-        <pc:picChg chg="add del mod">
-          <ac:chgData name="Oaklands Pigs" userId="ce1af3a19a52ca63" providerId="LiveId" clId="{DF66D1BA-0D6B-45B0-9E57-6C97996EA013}" dt="2022-04-04T15:36:00.973" v="13" actId="478"/>
-          <ac:picMkLst>
-            <pc:docMk/>
-            <pc:sldMk cId="1131686503" sldId="285"/>
-            <ac:picMk id="5" creationId="{5D7AD492-6292-4411-A0A4-125BADB0C68A}"/>
-          </ac:picMkLst>
-        </pc:picChg>
-        <pc:picChg chg="add del mod">
-          <ac:chgData name="Oaklands Pigs" userId="ce1af3a19a52ca63" providerId="LiveId" clId="{DF66D1BA-0D6B-45B0-9E57-6C97996EA013}" dt="2022-04-07T16:43:37.496" v="371" actId="478"/>
-          <ac:picMkLst>
-            <pc:docMk/>
-            <pc:sldMk cId="1131686503" sldId="285"/>
-            <ac:picMk id="6" creationId="{1A5DBAEA-DC17-4F6A-95A3-AFED1D9D556C}"/>
-          </ac:picMkLst>
-        </pc:picChg>
-        <pc:picChg chg="add del mod">
-          <ac:chgData name="Oaklands Pigs" userId="ce1af3a19a52ca63" providerId="LiveId" clId="{DF66D1BA-0D6B-45B0-9E57-6C97996EA013}" dt="2022-04-07T16:38:17.885" v="353" actId="478"/>
-          <ac:picMkLst>
-            <pc:docMk/>
-            <pc:sldMk cId="1131686503" sldId="285"/>
-            <ac:picMk id="7" creationId="{CCAEFF9F-6B80-440D-91D8-FDDB7EEF89B4}"/>
-          </ac:picMkLst>
-        </pc:picChg>
-        <pc:picChg chg="add del mod">
-          <ac:chgData name="Oaklands Pigs" userId="ce1af3a19a52ca63" providerId="LiveId" clId="{DF66D1BA-0D6B-45B0-9E57-6C97996EA013}" dt="2022-04-06T16:33:23.974" v="260" actId="478"/>
-          <ac:picMkLst>
-            <pc:docMk/>
-            <pc:sldMk cId="1131686503" sldId="285"/>
-            <ac:picMk id="8" creationId="{E7CEFBA9-6C33-4CA1-BF6B-A6E00690979B}"/>
-          </ac:picMkLst>
-        </pc:picChg>
-        <pc:picChg chg="add del mod">
-          <ac:chgData name="Oaklands Pigs" userId="ce1af3a19a52ca63" providerId="LiveId" clId="{DF66D1BA-0D6B-45B0-9E57-6C97996EA013}" dt="2022-04-04T15:44:23.103" v="204" actId="478"/>
-          <ac:picMkLst>
-            <pc:docMk/>
-            <pc:sldMk cId="1131686503" sldId="285"/>
-            <ac:picMk id="8" creationId="{F3E0F276-6978-4966-982D-F735D116F81F}"/>
-          </ac:picMkLst>
-        </pc:picChg>
-        <pc:picChg chg="add del mod">
-          <ac:chgData name="Oaklands Pigs" userId="ce1af3a19a52ca63" providerId="LiveId" clId="{DF66D1BA-0D6B-45B0-9E57-6C97996EA013}" dt="2022-04-07T16:40:25.800" v="357" actId="478"/>
-          <ac:picMkLst>
-            <pc:docMk/>
-            <pc:sldMk cId="1131686503" sldId="285"/>
-            <ac:picMk id="9" creationId="{CF3DFD35-DAE6-4348-AB41-5CB364D4091D}"/>
-          </ac:picMkLst>
-        </pc:picChg>
-        <pc:picChg chg="add del mod">
-          <ac:chgData name="Oaklands Pigs" userId="ce1af3a19a52ca63" providerId="LiveId" clId="{DF66D1BA-0D6B-45B0-9E57-6C97996EA013}" dt="2022-04-06T16:40:52.417" v="288" actId="478"/>
-          <ac:picMkLst>
-            <pc:docMk/>
-            <pc:sldMk cId="1131686503" sldId="285"/>
-            <ac:picMk id="10" creationId="{FD7CF394-1F34-4E0D-9157-51B97F65C90D}"/>
-          </ac:picMkLst>
-        </pc:picChg>
-        <pc:picChg chg="add del mod">
-          <ac:chgData name="Oaklands Pigs" userId="ce1af3a19a52ca63" providerId="LiveId" clId="{DF66D1BA-0D6B-45B0-9E57-6C97996EA013}" dt="2022-04-07T16:40:23.202" v="356" actId="478"/>
-          <ac:picMkLst>
-            <pc:docMk/>
-            <pc:sldMk cId="1131686503" sldId="285"/>
-            <ac:picMk id="11" creationId="{2580AD5F-DF43-4C28-9182-FEFB5D7552D4}"/>
-          </ac:picMkLst>
-        </pc:picChg>
-        <pc:picChg chg="add mod">
-          <ac:chgData name="Oaklands Pigs" userId="ce1af3a19a52ca63" providerId="LiveId" clId="{DF66D1BA-0D6B-45B0-9E57-6C97996EA013}" dt="2022-04-06T17:04:05.195" v="323" actId="1076"/>
-          <ac:picMkLst>
-            <pc:docMk/>
-            <pc:sldMk cId="1131686503" sldId="285"/>
-            <ac:picMk id="12" creationId="{8450465C-AB55-47CD-9E05-0988D2516F60}"/>
-          </ac:picMkLst>
-        </pc:picChg>
-        <pc:picChg chg="del">
-          <ac:chgData name="Oaklands Pigs" userId="ce1af3a19a52ca63" providerId="LiveId" clId="{DF66D1BA-0D6B-45B0-9E57-6C97996EA013}" dt="2022-04-04T15:33:48.191" v="1" actId="478"/>
-          <ac:picMkLst>
-            <pc:docMk/>
-            <pc:sldMk cId="1131686503" sldId="285"/>
-            <ac:picMk id="12" creationId="{D3F9CC49-8DFF-476F-990A-E7DDB7912BBA}"/>
-          </ac:picMkLst>
-        </pc:picChg>
-        <pc:picChg chg="add mod">
-          <ac:chgData name="Oaklands Pigs" userId="ce1af3a19a52ca63" providerId="LiveId" clId="{DF66D1BA-0D6B-45B0-9E57-6C97996EA013}" dt="2022-04-06T17:05:02.619" v="342" actId="1035"/>
-          <ac:picMkLst>
-            <pc:docMk/>
-            <pc:sldMk cId="1131686503" sldId="285"/>
-            <ac:picMk id="15" creationId="{1A975AEA-46D6-4A65-B89A-B28137A4C641}"/>
-          </ac:picMkLst>
-        </pc:picChg>
-        <pc:picChg chg="add del mod">
-          <ac:chgData name="Oaklands Pigs" userId="ce1af3a19a52ca63" providerId="LiveId" clId="{DF66D1BA-0D6B-45B0-9E57-6C97996EA013}" dt="2022-04-07T16:43:36.251" v="370" actId="478"/>
-          <ac:picMkLst>
-            <pc:docMk/>
-            <pc:sldMk cId="1131686503" sldId="285"/>
-            <ac:picMk id="17" creationId="{389BDD17-136B-4AF5-AB2C-F80085B44B1A}"/>
-          </ac:picMkLst>
-        </pc:picChg>
-        <pc:picChg chg="add del mod">
-          <ac:chgData name="Oaklands Pigs" userId="ce1af3a19a52ca63" providerId="LiveId" clId="{DF66D1BA-0D6B-45B0-9E57-6C97996EA013}" dt="2022-04-06T16:42:01.962" v="291" actId="478"/>
-          <ac:picMkLst>
-            <pc:docMk/>
-            <pc:sldMk cId="1131686503" sldId="285"/>
-            <ac:picMk id="17" creationId="{4B463A70-3076-4A24-8BE4-29FF8720B205}"/>
-          </ac:picMkLst>
-        </pc:picChg>
-        <pc:picChg chg="add del mod">
-          <ac:chgData name="Oaklands Pigs" userId="ce1af3a19a52ca63" providerId="LiveId" clId="{DF66D1BA-0D6B-45B0-9E57-6C97996EA013}" dt="2022-04-07T16:43:38.850" v="372" actId="478"/>
-          <ac:picMkLst>
-            <pc:docMk/>
-            <pc:sldMk cId="1131686503" sldId="285"/>
-            <ac:picMk id="18" creationId="{D8189BCC-E96C-425A-8B57-9213A5C79AB8}"/>
-          </ac:picMkLst>
-        </pc:picChg>
-        <pc:picChg chg="add del mod">
-          <ac:chgData name="Oaklands Pigs" userId="ce1af3a19a52ca63" providerId="LiveId" clId="{DF66D1BA-0D6B-45B0-9E57-6C97996EA013}" dt="2022-04-04T16:01:53.692" v="233" actId="478"/>
-          <ac:picMkLst>
-            <pc:docMk/>
-            <pc:sldMk cId="1131686503" sldId="285"/>
-            <ac:picMk id="19" creationId="{ED1F0802-0A80-4BBE-9FE7-6C7305740C99}"/>
-          </ac:picMkLst>
-        </pc:picChg>
-        <pc:picChg chg="add del mod">
-          <ac:chgData name="Oaklands Pigs" userId="ce1af3a19a52ca63" providerId="LiveId" clId="{DF66D1BA-0D6B-45B0-9E57-6C97996EA013}" dt="2022-04-06T16:45:19.614" v="294" actId="478"/>
-          <ac:picMkLst>
-            <pc:docMk/>
-            <pc:sldMk cId="1131686503" sldId="285"/>
-            <ac:picMk id="20" creationId="{4F5FF4B5-A53B-43B2-A5A9-52BCDCE79125}"/>
-          </ac:picMkLst>
-        </pc:picChg>
-        <pc:picChg chg="add del mod">
-          <ac:chgData name="Oaklands Pigs" userId="ce1af3a19a52ca63" providerId="LiveId" clId="{DF66D1BA-0D6B-45B0-9E57-6C97996EA013}" dt="2022-04-07T16:43:33.339" v="367" actId="478"/>
-          <ac:picMkLst>
-            <pc:docMk/>
-            <pc:sldMk cId="1131686503" sldId="285"/>
-            <ac:picMk id="20" creationId="{672B72E4-4105-4065-97E7-45954D753C2D}"/>
-          </ac:picMkLst>
-        </pc:picChg>
-        <pc:picChg chg="add del mod ord">
-          <ac:chgData name="Oaklands Pigs" userId="ce1af3a19a52ca63" providerId="LiveId" clId="{DF66D1BA-0D6B-45B0-9E57-6C97996EA013}" dt="2022-04-06T16:39:14.415" v="277" actId="478"/>
-          <ac:picMkLst>
-            <pc:docMk/>
-            <pc:sldMk cId="1131686503" sldId="285"/>
-            <ac:picMk id="21" creationId="{5704594F-6F7D-4350-BD4D-E052B4A5FF61}"/>
-          </ac:picMkLst>
-        </pc:picChg>
-        <pc:picChg chg="add del mod">
-          <ac:chgData name="Oaklands Pigs" userId="ce1af3a19a52ca63" providerId="LiveId" clId="{DF66D1BA-0D6B-45B0-9E57-6C97996EA013}" dt="2022-04-07T16:43:34.205" v="368" actId="478"/>
-          <ac:picMkLst>
-            <pc:docMk/>
-            <pc:sldMk cId="1131686503" sldId="285"/>
-            <ac:picMk id="22" creationId="{B58DACA9-32F4-4143-8822-9135531E66F1}"/>
-          </ac:picMkLst>
-        </pc:picChg>
-        <pc:picChg chg="add del mod">
-          <ac:chgData name="Oaklands Pigs" userId="ce1af3a19a52ca63" providerId="LiveId" clId="{DF66D1BA-0D6B-45B0-9E57-6C97996EA013}" dt="2022-04-06T16:46:30.296" v="297" actId="478"/>
-          <ac:picMkLst>
-            <pc:docMk/>
-            <pc:sldMk cId="1131686503" sldId="285"/>
-            <ac:picMk id="23" creationId="{0D644AF9-920B-41C9-948C-1DEE2228913E}"/>
-          </ac:picMkLst>
-        </pc:picChg>
-        <pc:picChg chg="add del mod">
-          <ac:chgData name="Oaklands Pigs" userId="ce1af3a19a52ca63" providerId="LiveId" clId="{DF66D1BA-0D6B-45B0-9E57-6C97996EA013}" dt="2022-04-07T16:43:31.404" v="365" actId="478"/>
-          <ac:picMkLst>
-            <pc:docMk/>
-            <pc:sldMk cId="1131686503" sldId="285"/>
-            <ac:picMk id="24" creationId="{2931D4F5-DE2F-424A-9465-900D2A88DF82}"/>
-          </ac:picMkLst>
-        </pc:picChg>
-        <pc:picChg chg="add del">
-          <ac:chgData name="Oaklands Pigs" userId="ce1af3a19a52ca63" providerId="LiveId" clId="{DF66D1BA-0D6B-45B0-9E57-6C97996EA013}" dt="2022-04-06T16:46:48.738" v="299" actId="478"/>
-          <ac:picMkLst>
-            <pc:docMk/>
-            <pc:sldMk cId="1131686503" sldId="285"/>
-            <ac:picMk id="25" creationId="{40CE6F1C-609A-46EA-B94B-CCF3E3C49561}"/>
-          </ac:picMkLst>
-        </pc:picChg>
-        <pc:picChg chg="add del mod">
-          <ac:chgData name="Oaklands Pigs" userId="ce1af3a19a52ca63" providerId="LiveId" clId="{DF66D1BA-0D6B-45B0-9E57-6C97996EA013}" dt="2022-04-07T16:43:32.473" v="366" actId="478"/>
-          <ac:picMkLst>
-            <pc:docMk/>
-            <pc:sldMk cId="1131686503" sldId="285"/>
-            <ac:picMk id="26" creationId="{0EA41EDF-6EF6-40F9-938A-B341C292B083}"/>
-          </ac:picMkLst>
-        </pc:picChg>
-        <pc:picChg chg="add del mod">
-          <ac:chgData name="Oaklands Pigs" userId="ce1af3a19a52ca63" providerId="LiveId" clId="{DF66D1BA-0D6B-45B0-9E57-6C97996EA013}" dt="2022-04-06T16:47:11.947" v="302" actId="478"/>
-          <ac:picMkLst>
-            <pc:docMk/>
-            <pc:sldMk cId="1131686503" sldId="285"/>
-            <ac:picMk id="27" creationId="{C7D7F86D-25FB-4D42-80E5-6180D45EFA4F}"/>
-          </ac:picMkLst>
-        </pc:picChg>
-        <pc:picChg chg="add del mod">
-          <ac:chgData name="Oaklands Pigs" userId="ce1af3a19a52ca63" providerId="LiveId" clId="{DF66D1BA-0D6B-45B0-9E57-6C97996EA013}" dt="2022-04-07T16:44:38.080" v="375" actId="478"/>
-          <ac:picMkLst>
-            <pc:docMk/>
-            <pc:sldMk cId="1131686503" sldId="285"/>
-            <ac:picMk id="28" creationId="{556E9C45-6B03-4233-B419-5D0A139E9E4C}"/>
-          </ac:picMkLst>
-        </pc:picChg>
-        <pc:picChg chg="add del mod">
-          <ac:chgData name="Oaklands Pigs" userId="ce1af3a19a52ca63" providerId="LiveId" clId="{DF66D1BA-0D6B-45B0-9E57-6C97996EA013}" dt="2022-04-07T17:09:29.613" v="388" actId="478"/>
-          <ac:picMkLst>
-            <pc:docMk/>
-            <pc:sldMk cId="1131686503" sldId="285"/>
-            <ac:picMk id="29" creationId="{C75EF48E-14EC-4E8F-A651-7801CC83D70C}"/>
-          </ac:picMkLst>
-        </pc:picChg>
-        <pc:picChg chg="add del mod">
-          <ac:chgData name="Oaklands Pigs" userId="ce1af3a19a52ca63" providerId="LiveId" clId="{DF66D1BA-0D6B-45B0-9E57-6C97996EA013}" dt="2022-04-07T16:43:35.212" v="369" actId="478"/>
-          <ac:picMkLst>
-            <pc:docMk/>
-            <pc:sldMk cId="1131686503" sldId="285"/>
-            <ac:picMk id="30" creationId="{6B293E69-67A3-4171-9D38-6A62876F868D}"/>
-          </ac:picMkLst>
-        </pc:picChg>
-        <pc:picChg chg="add del mod">
-          <ac:chgData name="Oaklands Pigs" userId="ce1af3a19a52ca63" providerId="LiveId" clId="{DF66D1BA-0D6B-45B0-9E57-6C97996EA013}" dt="2022-04-07T17:01:15.249" v="378" actId="478"/>
-          <ac:picMkLst>
-            <pc:docMk/>
-            <pc:sldMk cId="1131686503" sldId="285"/>
-            <ac:picMk id="32" creationId="{CFD82B14-1A0B-4362-AA20-4F0491C89462}"/>
-          </ac:picMkLst>
-        </pc:picChg>
-        <pc:picChg chg="add del mod">
-          <ac:chgData name="Oaklands Pigs" userId="ce1af3a19a52ca63" providerId="LiveId" clId="{DF66D1BA-0D6B-45B0-9E57-6C97996EA013}" dt="2022-04-07T17:02:57.324" v="381" actId="478"/>
-          <ac:picMkLst>
-            <pc:docMk/>
-            <pc:sldMk cId="1131686503" sldId="285"/>
-            <ac:picMk id="34" creationId="{78BD536F-7332-462C-ACE5-9FB69E2384B1}"/>
-          </ac:picMkLst>
-        </pc:picChg>
-        <pc:picChg chg="add del mod">
-          <ac:chgData name="Oaklands Pigs" userId="ce1af3a19a52ca63" providerId="LiveId" clId="{DF66D1BA-0D6B-45B0-9E57-6C97996EA013}" dt="2022-04-07T17:03:11.150" v="384" actId="478"/>
-          <ac:picMkLst>
-            <pc:docMk/>
-            <pc:sldMk cId="1131686503" sldId="285"/>
-            <ac:picMk id="36" creationId="{1B7F8E70-F041-4451-BD45-12CADD6A500D}"/>
-          </ac:picMkLst>
-        </pc:picChg>
-        <pc:picChg chg="add del mod">
-          <ac:chgData name="Oaklands Pigs" userId="ce1af3a19a52ca63" providerId="LiveId" clId="{DF66D1BA-0D6B-45B0-9E57-6C97996EA013}" dt="2022-04-07T17:06:25.172" v="387" actId="478"/>
-          <ac:picMkLst>
-            <pc:docMk/>
-            <pc:sldMk cId="1131686503" sldId="285"/>
-            <ac:picMk id="38" creationId="{01448404-A6BA-4837-89AF-92CA4B67D75A}"/>
-          </ac:picMkLst>
-        </pc:picChg>
-        <pc:picChg chg="add del mod">
-          <ac:chgData name="Oaklands Pigs" userId="ce1af3a19a52ca63" providerId="LiveId" clId="{DF66D1BA-0D6B-45B0-9E57-6C97996EA013}" dt="2022-04-07T17:14:34.989" v="391" actId="478"/>
-          <ac:picMkLst>
-            <pc:docMk/>
-            <pc:sldMk cId="1131686503" sldId="285"/>
-            <ac:picMk id="40" creationId="{E5628B23-B2E8-427D-8F9B-E7F1B9BB4B36}"/>
-          </ac:picMkLst>
-        </pc:picChg>
-        <pc:picChg chg="add mod">
-          <ac:chgData name="Oaklands Pigs" userId="ce1af3a19a52ca63" providerId="LiveId" clId="{DF66D1BA-0D6B-45B0-9E57-6C97996EA013}" dt="2022-04-07T17:15:24.234" v="396" actId="1036"/>
-          <ac:picMkLst>
-            <pc:docMk/>
-            <pc:sldMk cId="1131686503" sldId="285"/>
-            <ac:picMk id="42" creationId="{4EA283A4-B645-40A1-99B7-A886EA7DC73D}"/>
-          </ac:picMkLst>
-        </pc:picChg>
       </pc:sldChg>
       <pc:sldChg chg="addSp delSp modSp add mod">
         <pc:chgData name="Oaklands Pigs" userId="ce1af3a19a52ca63" providerId="LiveId" clId="{DF66D1BA-0D6B-45B0-9E57-6C97996EA013}" dt="2022-04-07T17:59:05.286" v="574" actId="20577"/>
@@ -872,166 +241,6 @@
           <pc:docMk/>
           <pc:sldMk cId="1038749230" sldId="286"/>
         </pc:sldMkLst>
-        <pc:spChg chg="mod">
-          <ac:chgData name="Oaklands Pigs" userId="ce1af3a19a52ca63" providerId="LiveId" clId="{DF66D1BA-0D6B-45B0-9E57-6C97996EA013}" dt="2022-04-07T17:20:48.034" v="401" actId="14100"/>
-          <ac:spMkLst>
-            <pc:docMk/>
-            <pc:sldMk cId="1038749230" sldId="286"/>
-            <ac:spMk id="13" creationId="{B44D81C9-C0E3-41DA-BB3A-664350AC2DDB}"/>
-          </ac:spMkLst>
-        </pc:spChg>
-        <pc:spChg chg="mod">
-          <ac:chgData name="Oaklands Pigs" userId="ce1af3a19a52ca63" providerId="LiveId" clId="{DF66D1BA-0D6B-45B0-9E57-6C97996EA013}" dt="2022-04-07T17:23:39.497" v="429" actId="1035"/>
-          <ac:spMkLst>
-            <pc:docMk/>
-            <pc:sldMk cId="1038749230" sldId="286"/>
-            <ac:spMk id="16" creationId="{C36C48EC-69C0-48F7-8606-4C4A14D5786B}"/>
-          </ac:spMkLst>
-        </pc:spChg>
-        <pc:spChg chg="add mod">
-          <ac:chgData name="Oaklands Pigs" userId="ce1af3a19a52ca63" providerId="LiveId" clId="{DF66D1BA-0D6B-45B0-9E57-6C97996EA013}" dt="2022-04-07T17:45:41.013" v="545" actId="1076"/>
-          <ac:spMkLst>
-            <pc:docMk/>
-            <pc:sldMk cId="1038749230" sldId="286"/>
-            <ac:spMk id="24" creationId="{CA843C2A-CA04-47F2-8D5C-8FBEC3B04DCC}"/>
-          </ac:spMkLst>
-        </pc:spChg>
-        <pc:spChg chg="add mod">
-          <ac:chgData name="Oaklands Pigs" userId="ce1af3a19a52ca63" providerId="LiveId" clId="{DF66D1BA-0D6B-45B0-9E57-6C97996EA013}" dt="2022-04-07T17:46:37.704" v="562" actId="20577"/>
-          <ac:spMkLst>
-            <pc:docMk/>
-            <pc:sldMk cId="1038749230" sldId="286"/>
-            <ac:spMk id="28" creationId="{C3BD0989-4583-4C33-9094-3B27A3E27FC9}"/>
-          </ac:spMkLst>
-        </pc:spChg>
-        <pc:spChg chg="add mod">
-          <ac:chgData name="Oaklands Pigs" userId="ce1af3a19a52ca63" providerId="LiveId" clId="{DF66D1BA-0D6B-45B0-9E57-6C97996EA013}" dt="2022-04-07T17:59:05.286" v="574" actId="20577"/>
-          <ac:spMkLst>
-            <pc:docMk/>
-            <pc:sldMk cId="1038749230" sldId="286"/>
-            <ac:spMk id="31" creationId="{777D251D-D840-4265-A160-F06194A2E5D5}"/>
-          </ac:spMkLst>
-        </pc:spChg>
-        <pc:grpChg chg="add del mod">
-          <ac:chgData name="Oaklands Pigs" userId="ce1af3a19a52ca63" providerId="LiveId" clId="{DF66D1BA-0D6B-45B0-9E57-6C97996EA013}" dt="2022-04-07T17:28:50.385" v="434" actId="165"/>
-          <ac:grpSpMkLst>
-            <pc:docMk/>
-            <pc:sldMk cId="1038749230" sldId="286"/>
-            <ac:grpSpMk id="9" creationId="{7EC9B567-095E-426A-A5AC-CDB63D28E1EE}"/>
-          </ac:grpSpMkLst>
-        </pc:grpChg>
-        <pc:picChg chg="mod ord topLvl">
-          <ac:chgData name="Oaklands Pigs" userId="ce1af3a19a52ca63" providerId="LiveId" clId="{DF66D1BA-0D6B-45B0-9E57-6C97996EA013}" dt="2022-04-07T17:32:28.485" v="445" actId="166"/>
-          <ac:picMkLst>
-            <pc:docMk/>
-            <pc:sldMk cId="1038749230" sldId="286"/>
-            <ac:picMk id="3" creationId="{C9C65178-E7D9-447D-AD80-B3238CC0C84D}"/>
-          </ac:picMkLst>
-        </pc:picChg>
-        <pc:picChg chg="add del mod">
-          <ac:chgData name="Oaklands Pigs" userId="ce1af3a19a52ca63" providerId="LiveId" clId="{DF66D1BA-0D6B-45B0-9E57-6C97996EA013}" dt="2022-04-07T17:21:47.435" v="406" actId="478"/>
-          <ac:picMkLst>
-            <pc:docMk/>
-            <pc:sldMk cId="1038749230" sldId="286"/>
-            <ac:picMk id="4" creationId="{29295D72-3B25-403F-A721-DEC41549C16D}"/>
-          </ac:picMkLst>
-        </pc:picChg>
-        <pc:picChg chg="add del mod">
-          <ac:chgData name="Oaklands Pigs" userId="ce1af3a19a52ca63" providerId="LiveId" clId="{DF66D1BA-0D6B-45B0-9E57-6C97996EA013}" dt="2022-04-07T17:22:15.015" v="409" actId="478"/>
-          <ac:picMkLst>
-            <pc:docMk/>
-            <pc:sldMk cId="1038749230" sldId="286"/>
-            <ac:picMk id="6" creationId="{7FD2251D-4B95-41F2-A753-A26D05BD084A}"/>
-          </ac:picMkLst>
-        </pc:picChg>
-        <pc:picChg chg="add mod">
-          <ac:chgData name="Oaklands Pigs" userId="ce1af3a19a52ca63" providerId="LiveId" clId="{DF66D1BA-0D6B-45B0-9E57-6C97996EA013}" dt="2022-04-07T17:22:46.744" v="411" actId="1076"/>
-          <ac:picMkLst>
-            <pc:docMk/>
-            <pc:sldMk cId="1038749230" sldId="286"/>
-            <ac:picMk id="8" creationId="{5469AA4C-B397-4A23-9F7C-F4E041D6A263}"/>
-          </ac:picMkLst>
-        </pc:picChg>
-        <pc:picChg chg="add del mod">
-          <ac:chgData name="Oaklands Pigs" userId="ce1af3a19a52ca63" providerId="LiveId" clId="{DF66D1BA-0D6B-45B0-9E57-6C97996EA013}" dt="2022-04-07T17:28:31.595" v="433" actId="478"/>
-          <ac:picMkLst>
-            <pc:docMk/>
-            <pc:sldMk cId="1038749230" sldId="286"/>
-            <ac:picMk id="11" creationId="{5B5AED2D-5EC5-45CF-9678-1B04965A9A67}"/>
-          </ac:picMkLst>
-        </pc:picChg>
-        <pc:picChg chg="del mod topLvl">
-          <ac:chgData name="Oaklands Pigs" userId="ce1af3a19a52ca63" providerId="LiveId" clId="{DF66D1BA-0D6B-45B0-9E57-6C97996EA013}" dt="2022-04-07T17:30:43.901" v="440" actId="478"/>
-          <ac:picMkLst>
-            <pc:docMk/>
-            <pc:sldMk cId="1038749230" sldId="286"/>
-            <ac:picMk id="12" creationId="{8450465C-AB55-47CD-9E05-0988D2516F60}"/>
-          </ac:picMkLst>
-        </pc:picChg>
-        <pc:picChg chg="del mod topLvl">
-          <ac:chgData name="Oaklands Pigs" userId="ce1af3a19a52ca63" providerId="LiveId" clId="{DF66D1BA-0D6B-45B0-9E57-6C97996EA013}" dt="2022-04-07T17:28:53.042" v="435" actId="478"/>
-          <ac:picMkLst>
-            <pc:docMk/>
-            <pc:sldMk cId="1038749230" sldId="286"/>
-            <ac:picMk id="15" creationId="{1A975AEA-46D6-4A65-B89A-B28137A4C641}"/>
-          </ac:picMkLst>
-        </pc:picChg>
-        <pc:picChg chg="add mod ord">
-          <ac:chgData name="Oaklands Pigs" userId="ce1af3a19a52ca63" providerId="LiveId" clId="{DF66D1BA-0D6B-45B0-9E57-6C97996EA013}" dt="2022-04-07T17:30:36.443" v="439" actId="1076"/>
-          <ac:picMkLst>
-            <pc:docMk/>
-            <pc:sldMk cId="1038749230" sldId="286"/>
-            <ac:picMk id="17" creationId="{A71143FF-8013-421B-A1C8-C43CB2C8BDAD}"/>
-          </ac:picMkLst>
-        </pc:picChg>
-        <pc:picChg chg="add del mod ord">
-          <ac:chgData name="Oaklands Pigs" userId="ce1af3a19a52ca63" providerId="LiveId" clId="{DF66D1BA-0D6B-45B0-9E57-6C97996EA013}" dt="2022-04-07T17:32:38.224" v="448" actId="478"/>
-          <ac:picMkLst>
-            <pc:docMk/>
-            <pc:sldMk cId="1038749230" sldId="286"/>
-            <ac:picMk id="19" creationId="{055BF445-7D72-4C69-8CED-C060E5C10A97}"/>
-          </ac:picMkLst>
-        </pc:picChg>
-        <pc:picChg chg="add del">
-          <ac:chgData name="Oaklands Pigs" userId="ce1af3a19a52ca63" providerId="LiveId" clId="{DF66D1BA-0D6B-45B0-9E57-6C97996EA013}" dt="2022-04-07T17:34:22.727" v="450" actId="478"/>
-          <ac:picMkLst>
-            <pc:docMk/>
-            <pc:sldMk cId="1038749230" sldId="286"/>
-            <ac:picMk id="21" creationId="{7B2022E5-8F68-43BC-999F-FA46035B51E9}"/>
-          </ac:picMkLst>
-        </pc:picChg>
-        <pc:picChg chg="add mod">
-          <ac:chgData name="Oaklands Pigs" userId="ce1af3a19a52ca63" providerId="LiveId" clId="{DF66D1BA-0D6B-45B0-9E57-6C97996EA013}" dt="2022-04-07T17:35:14.829" v="452" actId="1076"/>
-          <ac:picMkLst>
-            <pc:docMk/>
-            <pc:sldMk cId="1038749230" sldId="286"/>
-            <ac:picMk id="23" creationId="{950622CC-8548-4CBD-A969-E247D144F309}"/>
-          </ac:picMkLst>
-        </pc:picChg>
-        <pc:picChg chg="add mod">
-          <ac:chgData name="Oaklands Pigs" userId="ce1af3a19a52ca63" providerId="LiveId" clId="{DF66D1BA-0D6B-45B0-9E57-6C97996EA013}" dt="2022-04-07T17:52:10.867" v="565" actId="14100"/>
-          <ac:picMkLst>
-            <pc:docMk/>
-            <pc:sldMk cId="1038749230" sldId="286"/>
-            <ac:picMk id="26" creationId="{5CD7B52D-23A1-4E7F-947D-0133D355F108}"/>
-          </ac:picMkLst>
-        </pc:picChg>
-        <pc:picChg chg="add mod">
-          <ac:chgData name="Oaklands Pigs" userId="ce1af3a19a52ca63" providerId="LiveId" clId="{DF66D1BA-0D6B-45B0-9E57-6C97996EA013}" dt="2022-04-07T17:58:53.185" v="569" actId="1076"/>
-          <ac:picMkLst>
-            <pc:docMk/>
-            <pc:sldMk cId="1038749230" sldId="286"/>
-            <ac:picMk id="29" creationId="{9949498A-582B-40E1-862A-6F5491E9A3A6}"/>
-          </ac:picMkLst>
-        </pc:picChg>
-        <pc:picChg chg="del">
-          <ac:chgData name="Oaklands Pigs" userId="ce1af3a19a52ca63" providerId="LiveId" clId="{DF66D1BA-0D6B-45B0-9E57-6C97996EA013}" dt="2022-04-07T17:20:56.652" v="402" actId="478"/>
-          <ac:picMkLst>
-            <pc:docMk/>
-            <pc:sldMk cId="1038749230" sldId="286"/>
-            <ac:picMk id="42" creationId="{4EA283A4-B645-40A1-99B7-A886EA7DC73D}"/>
-          </ac:picMkLst>
-        </pc:picChg>
       </pc:sldChg>
     </pc:docChg>
   </pc:docChgLst>
@@ -1048,102 +257,6 @@
           <pc:docMk/>
           <pc:sldMk cId="1587141629" sldId="293"/>
         </pc:sldMkLst>
-        <pc:spChg chg="del">
-          <ac:chgData name="robin wilson" userId="ce1af3a19a52ca63" providerId="LiveId" clId="{AF748CDB-9C3C-4299-A4F7-8FE850BD8E0B}" dt="2024-05-30T15:08:02.461" v="2" actId="478"/>
-          <ac:spMkLst>
-            <pc:docMk/>
-            <pc:sldMk cId="1587141629" sldId="293"/>
-            <ac:spMk id="7" creationId="{4F291A25-6BC2-09A5-7BF4-849492BA5CB6}"/>
-          </ac:spMkLst>
-        </pc:spChg>
-        <pc:spChg chg="del">
-          <ac:chgData name="robin wilson" userId="ce1af3a19a52ca63" providerId="LiveId" clId="{AF748CDB-9C3C-4299-A4F7-8FE850BD8E0B}" dt="2024-05-30T15:08:02.461" v="2" actId="478"/>
-          <ac:spMkLst>
-            <pc:docMk/>
-            <pc:sldMk cId="1587141629" sldId="293"/>
-            <ac:spMk id="17" creationId="{220D2551-C068-B8CB-44D5-DE83A359BE27}"/>
-          </ac:spMkLst>
-        </pc:spChg>
-        <pc:spChg chg="del">
-          <ac:chgData name="robin wilson" userId="ce1af3a19a52ca63" providerId="LiveId" clId="{AF748CDB-9C3C-4299-A4F7-8FE850BD8E0B}" dt="2024-05-30T15:08:02.461" v="2" actId="478"/>
-          <ac:spMkLst>
-            <pc:docMk/>
-            <pc:sldMk cId="1587141629" sldId="293"/>
-            <ac:spMk id="18" creationId="{1FBF79CA-8A71-9320-E030-B756707F916F}"/>
-          </ac:spMkLst>
-        </pc:spChg>
-        <pc:picChg chg="add mod">
-          <ac:chgData name="robin wilson" userId="ce1af3a19a52ca63" providerId="LiveId" clId="{AF748CDB-9C3C-4299-A4F7-8FE850BD8E0B}" dt="2024-05-30T15:08:50.035" v="4" actId="1076"/>
-          <ac:picMkLst>
-            <pc:docMk/>
-            <pc:sldMk cId="1587141629" sldId="293"/>
-            <ac:picMk id="3" creationId="{4DA7F282-16CE-3EC7-A64D-69A73C3DC4C9}"/>
-          </ac:picMkLst>
-        </pc:picChg>
-        <pc:picChg chg="del">
-          <ac:chgData name="robin wilson" userId="ce1af3a19a52ca63" providerId="LiveId" clId="{AF748CDB-9C3C-4299-A4F7-8FE850BD8E0B}" dt="2024-05-30T15:07:58.951" v="1" actId="478"/>
-          <ac:picMkLst>
-            <pc:docMk/>
-            <pc:sldMk cId="1587141629" sldId="293"/>
-            <ac:picMk id="4" creationId="{16452C59-139E-8BDB-63A4-D8C7B2D29E44}"/>
-          </ac:picMkLst>
-        </pc:picChg>
-        <pc:picChg chg="add del mod">
-          <ac:chgData name="robin wilson" userId="ce1af3a19a52ca63" providerId="LiveId" clId="{AF748CDB-9C3C-4299-A4F7-8FE850BD8E0B}" dt="2024-05-30T15:09:58.803" v="9" actId="21"/>
-          <ac:picMkLst>
-            <pc:docMk/>
-            <pc:sldMk cId="1587141629" sldId="293"/>
-            <ac:picMk id="8" creationId="{2DF84014-E2A8-DE0B-B135-151CDB8DDC9E}"/>
-          </ac:picMkLst>
-        </pc:picChg>
-        <pc:picChg chg="del">
-          <ac:chgData name="robin wilson" userId="ce1af3a19a52ca63" providerId="LiveId" clId="{AF748CDB-9C3C-4299-A4F7-8FE850BD8E0B}" dt="2024-05-30T15:08:02.461" v="2" actId="478"/>
-          <ac:picMkLst>
-            <pc:docMk/>
-            <pc:sldMk cId="1587141629" sldId="293"/>
-            <ac:picMk id="15" creationId="{2EED87AF-8CD9-FCAF-1859-E5F060C05D6A}"/>
-          </ac:picMkLst>
-        </pc:picChg>
-        <pc:picChg chg="del">
-          <ac:chgData name="robin wilson" userId="ce1af3a19a52ca63" providerId="LiveId" clId="{AF748CDB-9C3C-4299-A4F7-8FE850BD8E0B}" dt="2024-05-30T15:08:02.461" v="2" actId="478"/>
-          <ac:picMkLst>
-            <pc:docMk/>
-            <pc:sldMk cId="1587141629" sldId="293"/>
-            <ac:picMk id="16" creationId="{E07A1B7B-68EE-8F86-B314-CEE2E33C19C7}"/>
-          </ac:picMkLst>
-        </pc:picChg>
-        <pc:cxnChg chg="del">
-          <ac:chgData name="robin wilson" userId="ce1af3a19a52ca63" providerId="LiveId" clId="{AF748CDB-9C3C-4299-A4F7-8FE850BD8E0B}" dt="2024-05-30T15:08:02.461" v="2" actId="478"/>
-          <ac:cxnSpMkLst>
-            <pc:docMk/>
-            <pc:sldMk cId="1587141629" sldId="293"/>
-            <ac:cxnSpMk id="9" creationId="{841F6BF1-5ED3-B6AF-8561-FF938F2596BC}"/>
-          </ac:cxnSpMkLst>
-        </pc:cxnChg>
-        <pc:cxnChg chg="del">
-          <ac:chgData name="robin wilson" userId="ce1af3a19a52ca63" providerId="LiveId" clId="{AF748CDB-9C3C-4299-A4F7-8FE850BD8E0B}" dt="2024-05-30T15:08:02.461" v="2" actId="478"/>
-          <ac:cxnSpMkLst>
-            <pc:docMk/>
-            <pc:sldMk cId="1587141629" sldId="293"/>
-            <ac:cxnSpMk id="12" creationId="{C8FF443C-CE07-A7B0-579C-3B19DC98B3F7}"/>
-          </ac:cxnSpMkLst>
-        </pc:cxnChg>
-        <pc:cxnChg chg="del">
-          <ac:chgData name="robin wilson" userId="ce1af3a19a52ca63" providerId="LiveId" clId="{AF748CDB-9C3C-4299-A4F7-8FE850BD8E0B}" dt="2024-05-30T15:08:02.461" v="2" actId="478"/>
-          <ac:cxnSpMkLst>
-            <pc:docMk/>
-            <pc:sldMk cId="1587141629" sldId="293"/>
-            <ac:cxnSpMk id="19" creationId="{2AB7CDA9-EA53-444D-F0C3-F823A5F79C17}"/>
-          </ac:cxnSpMkLst>
-        </pc:cxnChg>
-        <pc:cxnChg chg="del">
-          <ac:chgData name="robin wilson" userId="ce1af3a19a52ca63" providerId="LiveId" clId="{AF748CDB-9C3C-4299-A4F7-8FE850BD8E0B}" dt="2024-05-30T15:08:02.461" v="2" actId="478"/>
-          <ac:cxnSpMkLst>
-            <pc:docMk/>
-            <pc:sldMk cId="1587141629" sldId="293"/>
-            <ac:cxnSpMk id="20" creationId="{14669BEA-69FB-6424-971E-A18848EFFE56}"/>
-          </ac:cxnSpMkLst>
-        </pc:cxnChg>
       </pc:sldChg>
       <pc:sldChg chg="addSp delSp modSp add mod">
         <pc:chgData name="robin wilson" userId="ce1af3a19a52ca63" providerId="LiveId" clId="{AF748CDB-9C3C-4299-A4F7-8FE850BD8E0B}" dt="2024-05-30T15:10:19.680" v="14" actId="1076"/>
@@ -1151,22 +264,6 @@
           <pc:docMk/>
           <pc:sldMk cId="71906463" sldId="294"/>
         </pc:sldMkLst>
-        <pc:picChg chg="del">
-          <ac:chgData name="robin wilson" userId="ce1af3a19a52ca63" providerId="LiveId" clId="{AF748CDB-9C3C-4299-A4F7-8FE850BD8E0B}" dt="2024-05-30T15:10:13.228" v="11" actId="478"/>
-          <ac:picMkLst>
-            <pc:docMk/>
-            <pc:sldMk cId="71906463" sldId="294"/>
-            <ac:picMk id="3" creationId="{4DA7F282-16CE-3EC7-A64D-69A73C3DC4C9}"/>
-          </ac:picMkLst>
-        </pc:picChg>
-        <pc:picChg chg="add mod">
-          <ac:chgData name="robin wilson" userId="ce1af3a19a52ca63" providerId="LiveId" clId="{AF748CDB-9C3C-4299-A4F7-8FE850BD8E0B}" dt="2024-05-30T15:10:19.680" v="14" actId="1076"/>
-          <ac:picMkLst>
-            <pc:docMk/>
-            <pc:sldMk cId="71906463" sldId="294"/>
-            <ac:picMk id="8" creationId="{2DF84014-E2A8-DE0B-B135-151CDB8DDC9E}"/>
-          </ac:picMkLst>
-        </pc:picChg>
       </pc:sldChg>
       <pc:sldChg chg="addSp modSp new mod">
         <pc:chgData name="robin wilson" userId="ce1af3a19a52ca63" providerId="LiveId" clId="{AF748CDB-9C3C-4299-A4F7-8FE850BD8E0B}" dt="2024-06-04T14:22:01.746" v="20" actId="1076"/>
@@ -1174,22 +271,6 @@
           <pc:docMk/>
           <pc:sldMk cId="2546652511" sldId="295"/>
         </pc:sldMkLst>
-        <pc:picChg chg="add">
-          <ac:chgData name="robin wilson" userId="ce1af3a19a52ca63" providerId="LiveId" clId="{AF748CDB-9C3C-4299-A4F7-8FE850BD8E0B}" dt="2024-06-04T14:21:33.940" v="16" actId="22"/>
-          <ac:picMkLst>
-            <pc:docMk/>
-            <pc:sldMk cId="2546652511" sldId="295"/>
-            <ac:picMk id="3" creationId="{F3196161-8D6C-FEA5-4C74-A1236EAE51D8}"/>
-          </ac:picMkLst>
-        </pc:picChg>
-        <pc:picChg chg="add mod">
-          <ac:chgData name="robin wilson" userId="ce1af3a19a52ca63" providerId="LiveId" clId="{AF748CDB-9C3C-4299-A4F7-8FE850BD8E0B}" dt="2024-06-04T14:22:01.746" v="20" actId="1076"/>
-          <ac:picMkLst>
-            <pc:docMk/>
-            <pc:sldMk cId="2546652511" sldId="295"/>
-            <ac:picMk id="5" creationId="{9202037B-EEE2-9CB8-AAEC-06290C3A3F08}"/>
-          </ac:picMkLst>
-        </pc:picChg>
       </pc:sldChg>
       <pc:sldChg chg="addSp delSp modSp new mod">
         <pc:chgData name="robin wilson" userId="ce1af3a19a52ca63" providerId="LiveId" clId="{AF748CDB-9C3C-4299-A4F7-8FE850BD8E0B}" dt="2024-06-04T14:29:17.323" v="33" actId="1037"/>
@@ -1197,30 +278,6 @@
           <pc:docMk/>
           <pc:sldMk cId="2780234029" sldId="296"/>
         </pc:sldMkLst>
-        <pc:picChg chg="add mod">
-          <ac:chgData name="robin wilson" userId="ce1af3a19a52ca63" providerId="LiveId" clId="{AF748CDB-9C3C-4299-A4F7-8FE850BD8E0B}" dt="2024-06-04T14:28:09.533" v="24" actId="962"/>
-          <ac:picMkLst>
-            <pc:docMk/>
-            <pc:sldMk cId="2780234029" sldId="296"/>
-            <ac:picMk id="3" creationId="{C1FCB08A-E806-CB1A-9A44-E73A953F1107}"/>
-          </ac:picMkLst>
-        </pc:picChg>
-        <pc:picChg chg="add del mod">
-          <ac:chgData name="robin wilson" userId="ce1af3a19a52ca63" providerId="LiveId" clId="{AF748CDB-9C3C-4299-A4F7-8FE850BD8E0B}" dt="2024-06-04T14:28:52.074" v="29" actId="478"/>
-          <ac:picMkLst>
-            <pc:docMk/>
-            <pc:sldMk cId="2780234029" sldId="296"/>
-            <ac:picMk id="5" creationId="{9CB9932A-C89D-E1CC-1EE1-93E92061896A}"/>
-          </ac:picMkLst>
-        </pc:picChg>
-        <pc:picChg chg="add mod">
-          <ac:chgData name="robin wilson" userId="ce1af3a19a52ca63" providerId="LiveId" clId="{AF748CDB-9C3C-4299-A4F7-8FE850BD8E0B}" dt="2024-06-04T14:29:17.323" v="33" actId="1037"/>
-          <ac:picMkLst>
-            <pc:docMk/>
-            <pc:sldMk cId="2780234029" sldId="296"/>
-            <ac:picMk id="7" creationId="{EAA999D6-F7DB-8B2B-9823-2DB08370C6F1}"/>
-          </ac:picMkLst>
-        </pc:picChg>
       </pc:sldChg>
       <pc:sldChg chg="addSp delSp modSp new mod">
         <pc:chgData name="robin wilson" userId="ce1af3a19a52ca63" providerId="LiveId" clId="{AF748CDB-9C3C-4299-A4F7-8FE850BD8E0B}" dt="2024-06-05T13:06:20.049" v="52" actId="20577"/>
@@ -1228,62 +285,275 @@
           <pc:docMk/>
           <pc:sldMk cId="3967385962" sldId="297"/>
         </pc:sldMkLst>
-        <pc:spChg chg="del">
-          <ac:chgData name="robin wilson" userId="ce1af3a19a52ca63" providerId="LiveId" clId="{AF748CDB-9C3C-4299-A4F7-8FE850BD8E0B}" dt="2024-06-05T13:05:16.069" v="36" actId="478"/>
+      </pc:sldChg>
+    </pc:docChg>
+  </pc:docChgLst>
+  <pc:docChgLst>
+    <pc:chgData name="robin wilson" userId="ce1af3a19a52ca63" providerId="LiveId" clId="{152A8D3E-CB2A-499D-9738-25D11458110A}"/>
+    <pc:docChg chg="undo custSel addSld modSld">
+      <pc:chgData name="robin wilson" userId="ce1af3a19a52ca63" providerId="LiveId" clId="{152A8D3E-CB2A-499D-9738-25D11458110A}" dt="2025-03-03T17:26:30.962" v="126" actId="20577"/>
+      <pc:docMkLst>
+        <pc:docMk/>
+      </pc:docMkLst>
+      <pc:sldChg chg="addSp delSp modSp mod">
+        <pc:chgData name="robin wilson" userId="ce1af3a19a52ca63" providerId="LiveId" clId="{152A8D3E-CB2A-499D-9738-25D11458110A}" dt="2025-03-03T17:21:26.781" v="116" actId="20577"/>
+        <pc:sldMkLst>
+          <pc:docMk/>
+          <pc:sldMk cId="1725799821" sldId="290"/>
+        </pc:sldMkLst>
+        <pc:spChg chg="mod">
+          <ac:chgData name="robin wilson" userId="ce1af3a19a52ca63" providerId="LiveId" clId="{152A8D3E-CB2A-499D-9738-25D11458110A}" dt="2025-03-03T17:14:46.349" v="2" actId="1076"/>
           <ac:spMkLst>
             <pc:docMk/>
-            <pc:sldMk cId="3967385962" sldId="297"/>
-            <ac:spMk id="2" creationId="{B7E4702E-8895-E966-91E0-94C42719DA95}"/>
+            <pc:sldMk cId="1725799821" sldId="290"/>
+            <ac:spMk id="4" creationId="{95BAE672-5DE2-289A-3885-AF2216A0F485}"/>
+          </ac:spMkLst>
+        </pc:spChg>
+        <pc:spChg chg="mod">
+          <ac:chgData name="robin wilson" userId="ce1af3a19a52ca63" providerId="LiveId" clId="{152A8D3E-CB2A-499D-9738-25D11458110A}" dt="2025-03-03T17:14:46.349" v="2" actId="1076"/>
+          <ac:spMkLst>
+            <pc:docMk/>
+            <pc:sldMk cId="1725799821" sldId="290"/>
+            <ac:spMk id="5" creationId="{121F52B6-6C79-FDEE-C872-44BB3CA8296B}"/>
+          </ac:spMkLst>
+        </pc:spChg>
+        <pc:spChg chg="add mod">
+          <ac:chgData name="robin wilson" userId="ce1af3a19a52ca63" providerId="LiveId" clId="{152A8D3E-CB2A-499D-9738-25D11458110A}" dt="2025-03-03T17:19:44.258" v="24" actId="20577"/>
+          <ac:spMkLst>
+            <pc:docMk/>
+            <pc:sldMk cId="1725799821" sldId="290"/>
+            <ac:spMk id="19" creationId="{3A4ECDA0-8BD5-70B2-3D43-351B25C4EE83}"/>
+          </ac:spMkLst>
+        </pc:spChg>
+        <pc:spChg chg="add mod">
+          <ac:chgData name="robin wilson" userId="ce1af3a19a52ca63" providerId="LiveId" clId="{152A8D3E-CB2A-499D-9738-25D11458110A}" dt="2025-03-03T17:21:26.781" v="116" actId="20577"/>
+          <ac:spMkLst>
+            <pc:docMk/>
+            <pc:sldMk cId="1725799821" sldId="290"/>
+            <ac:spMk id="20" creationId="{39696F40-A60B-37AC-A1EE-D985B19BA95B}"/>
+          </ac:spMkLst>
+        </pc:spChg>
+        <pc:picChg chg="mod">
+          <ac:chgData name="robin wilson" userId="ce1af3a19a52ca63" providerId="LiveId" clId="{152A8D3E-CB2A-499D-9738-25D11458110A}" dt="2025-03-03T17:14:46.349" v="2" actId="1076"/>
+          <ac:picMkLst>
+            <pc:docMk/>
+            <pc:sldMk cId="1725799821" sldId="290"/>
+            <ac:picMk id="3" creationId="{7E069FE5-22E4-FF93-41FE-0AC5492E812C}"/>
+          </ac:picMkLst>
+        </pc:picChg>
+        <pc:picChg chg="add mod">
+          <ac:chgData name="robin wilson" userId="ce1af3a19a52ca63" providerId="LiveId" clId="{152A8D3E-CB2A-499D-9738-25D11458110A}" dt="2025-03-03T17:17:49.737" v="10" actId="1035"/>
+          <ac:picMkLst>
+            <pc:docMk/>
+            <pc:sldMk cId="1725799821" sldId="290"/>
+            <ac:picMk id="8" creationId="{B20D441C-1321-401D-48DC-504B7B9C864A}"/>
+          </ac:picMkLst>
+        </pc:picChg>
+        <pc:picChg chg="add mod">
+          <ac:chgData name="robin wilson" userId="ce1af3a19a52ca63" providerId="LiveId" clId="{152A8D3E-CB2A-499D-9738-25D11458110A}" dt="2025-03-03T17:18:16.015" v="12" actId="1076"/>
+          <ac:picMkLst>
+            <pc:docMk/>
+            <pc:sldMk cId="1725799821" sldId="290"/>
+            <ac:picMk id="11" creationId="{70AE83DA-1AEF-218D-56B9-1DC27AADCFE7}"/>
+          </ac:picMkLst>
+        </pc:picChg>
+        <pc:picChg chg="add del">
+          <ac:chgData name="robin wilson" userId="ce1af3a19a52ca63" providerId="LiveId" clId="{152A8D3E-CB2A-499D-9738-25D11458110A}" dt="2025-03-03T17:18:49.352" v="14" actId="478"/>
+          <ac:picMkLst>
+            <pc:docMk/>
+            <pc:sldMk cId="1725799821" sldId="290"/>
+            <ac:picMk id="14" creationId="{FDD713DB-3D04-6829-F3D2-6C970A2684E4}"/>
+          </ac:picMkLst>
+        </pc:picChg>
+        <pc:picChg chg="add del">
+          <ac:chgData name="robin wilson" userId="ce1af3a19a52ca63" providerId="LiveId" clId="{152A8D3E-CB2A-499D-9738-25D11458110A}" dt="2025-03-03T17:18:56.898" v="16" actId="478"/>
+          <ac:picMkLst>
+            <pc:docMk/>
+            <pc:sldMk cId="1725799821" sldId="290"/>
+            <ac:picMk id="16" creationId="{B2B712D2-539E-8C72-9130-C8EB6E699BAB}"/>
+          </ac:picMkLst>
+        </pc:picChg>
+        <pc:picChg chg="add del">
+          <ac:chgData name="robin wilson" userId="ce1af3a19a52ca63" providerId="LiveId" clId="{152A8D3E-CB2A-499D-9738-25D11458110A}" dt="2025-03-03T17:19:13.995" v="18" actId="478"/>
+          <ac:picMkLst>
+            <pc:docMk/>
+            <pc:sldMk cId="1725799821" sldId="290"/>
+            <ac:picMk id="18" creationId="{70926AE8-21AF-D78A-6137-F406004E446F}"/>
+          </ac:picMkLst>
+        </pc:picChg>
+        <pc:cxnChg chg="mod">
+          <ac:chgData name="robin wilson" userId="ce1af3a19a52ca63" providerId="LiveId" clId="{152A8D3E-CB2A-499D-9738-25D11458110A}" dt="2025-03-03T17:14:46.349" v="2" actId="1076"/>
+          <ac:cxnSpMkLst>
+            <pc:docMk/>
+            <pc:sldMk cId="1725799821" sldId="290"/>
+            <ac:cxnSpMk id="6" creationId="{BE424F59-C02B-6DD8-9A61-50356D363F1C}"/>
+          </ac:cxnSpMkLst>
+        </pc:cxnChg>
+        <pc:cxnChg chg="mod">
+          <ac:chgData name="robin wilson" userId="ce1af3a19a52ca63" providerId="LiveId" clId="{152A8D3E-CB2A-499D-9738-25D11458110A}" dt="2025-03-03T17:14:46.349" v="2" actId="1076"/>
+          <ac:cxnSpMkLst>
+            <pc:docMk/>
+            <pc:sldMk cId="1725799821" sldId="290"/>
+            <ac:cxnSpMk id="7" creationId="{F9314C70-11FC-E0DF-0501-0C8B588D26AC}"/>
+          </ac:cxnSpMkLst>
+        </pc:cxnChg>
+        <pc:cxnChg chg="mod">
+          <ac:chgData name="robin wilson" userId="ce1af3a19a52ca63" providerId="LiveId" clId="{152A8D3E-CB2A-499D-9738-25D11458110A}" dt="2025-03-03T17:14:46.349" v="2" actId="1076"/>
+          <ac:cxnSpMkLst>
+            <pc:docMk/>
+            <pc:sldMk cId="1725799821" sldId="290"/>
+            <ac:cxnSpMk id="9" creationId="{DBF5C586-0E8D-B93B-B431-070B8BE7C8F4}"/>
+          </ac:cxnSpMkLst>
+        </pc:cxnChg>
+        <pc:cxnChg chg="mod">
+          <ac:chgData name="robin wilson" userId="ce1af3a19a52ca63" providerId="LiveId" clId="{152A8D3E-CB2A-499D-9738-25D11458110A}" dt="2025-03-03T17:14:46.349" v="2" actId="1076"/>
+          <ac:cxnSpMkLst>
+            <pc:docMk/>
+            <pc:sldMk cId="1725799821" sldId="290"/>
+            <ac:cxnSpMk id="12" creationId="{4C5C4401-5C1C-E691-ECD5-D068ABDE495B}"/>
+          </ac:cxnSpMkLst>
+        </pc:cxnChg>
+      </pc:sldChg>
+      <pc:sldChg chg="modSp mod">
+        <pc:chgData name="robin wilson" userId="ce1af3a19a52ca63" providerId="LiveId" clId="{152A8D3E-CB2A-499D-9738-25D11458110A}" dt="2025-03-03T17:24:51.492" v="118" actId="20577"/>
+        <pc:sldMkLst>
+          <pc:docMk/>
+          <pc:sldMk cId="2585201149" sldId="291"/>
+        </pc:sldMkLst>
+        <pc:spChg chg="mod">
+          <ac:chgData name="robin wilson" userId="ce1af3a19a52ca63" providerId="LiveId" clId="{152A8D3E-CB2A-499D-9738-25D11458110A}" dt="2025-03-03T17:24:51.492" v="118" actId="20577"/>
+          <ac:spMkLst>
+            <pc:docMk/>
+            <pc:sldMk cId="2585201149" sldId="291"/>
+            <ac:spMk id="4" creationId="{521DC695-2083-0875-DDB1-F87081B25C39}"/>
+          </ac:spMkLst>
+        </pc:spChg>
+      </pc:sldChg>
+      <pc:sldChg chg="addSp delSp modSp mod">
+        <pc:chgData name="robin wilson" userId="ce1af3a19a52ca63" providerId="LiveId" clId="{152A8D3E-CB2A-499D-9738-25D11458110A}" dt="2025-03-03T17:26:30.962" v="126" actId="20577"/>
+        <pc:sldMkLst>
+          <pc:docMk/>
+          <pc:sldMk cId="122566778" sldId="292"/>
+        </pc:sldMkLst>
+        <pc:spChg chg="add del mod">
+          <ac:chgData name="robin wilson" userId="ce1af3a19a52ca63" providerId="LiveId" clId="{152A8D3E-CB2A-499D-9738-25D11458110A}" dt="2025-03-03T17:25:57.661" v="122" actId="20577"/>
+          <ac:spMkLst>
+            <pc:docMk/>
+            <pc:sldMk cId="122566778" sldId="292"/>
+            <ac:spMk id="7" creationId="{4F291A25-6BC2-09A5-7BF4-849492BA5CB6}"/>
+          </ac:spMkLst>
+        </pc:spChg>
+        <pc:spChg chg="mod">
+          <ac:chgData name="robin wilson" userId="ce1af3a19a52ca63" providerId="LiveId" clId="{152A8D3E-CB2A-499D-9738-25D11458110A}" dt="2025-03-03T17:26:03.148" v="124" actId="20577"/>
+          <ac:spMkLst>
+            <pc:docMk/>
+            <pc:sldMk cId="122566778" sldId="292"/>
+            <ac:spMk id="17" creationId="{220D2551-C068-B8CB-44D5-DE83A359BE27}"/>
+          </ac:spMkLst>
+        </pc:spChg>
+        <pc:spChg chg="mod">
+          <ac:chgData name="robin wilson" userId="ce1af3a19a52ca63" providerId="LiveId" clId="{152A8D3E-CB2A-499D-9738-25D11458110A}" dt="2025-03-03T17:26:30.962" v="126" actId="20577"/>
+          <ac:spMkLst>
+            <pc:docMk/>
+            <pc:sldMk cId="122566778" sldId="292"/>
+            <ac:spMk id="18" creationId="{1FBF79CA-8A71-9320-E030-B756707F916F}"/>
+          </ac:spMkLst>
+        </pc:spChg>
+      </pc:sldChg>
+      <pc:sldChg chg="addSp delSp modSp add mod">
+        <pc:chgData name="robin wilson" userId="ce1af3a19a52ca63" providerId="LiveId" clId="{152A8D3E-CB2A-499D-9738-25D11458110A}" dt="2025-03-03T17:20:33.514" v="59" actId="20577"/>
+        <pc:sldMkLst>
+          <pc:docMk/>
+          <pc:sldMk cId="1530084731" sldId="298"/>
+        </pc:sldMkLst>
+        <pc:spChg chg="del">
+          <ac:chgData name="robin wilson" userId="ce1af3a19a52ca63" providerId="LiveId" clId="{152A8D3E-CB2A-499D-9738-25D11458110A}" dt="2025-03-03T17:20:15.201" v="29" actId="478"/>
+          <ac:spMkLst>
+            <pc:docMk/>
+            <pc:sldMk cId="1530084731" sldId="298"/>
+            <ac:spMk id="4" creationId="{4FFE7D67-9BF2-9B1C-9958-7B8C729B7732}"/>
           </ac:spMkLst>
         </pc:spChg>
         <pc:spChg chg="del">
-          <ac:chgData name="robin wilson" userId="ce1af3a19a52ca63" providerId="LiveId" clId="{AF748CDB-9C3C-4299-A4F7-8FE850BD8E0B}" dt="2024-06-05T13:05:14.294" v="35" actId="478"/>
+          <ac:chgData name="robin wilson" userId="ce1af3a19a52ca63" providerId="LiveId" clId="{152A8D3E-CB2A-499D-9738-25D11458110A}" dt="2025-03-03T17:20:15.201" v="29" actId="478"/>
           <ac:spMkLst>
             <pc:docMk/>
-            <pc:sldMk cId="3967385962" sldId="297"/>
-            <ac:spMk id="3" creationId="{5E7B1FCD-48C0-54FE-1350-5AFB2D438CBE}"/>
+            <pc:sldMk cId="1530084731" sldId="298"/>
+            <ac:spMk id="5" creationId="{EC820344-D304-4A29-0CBF-1E61A9EF0274}"/>
           </ac:spMkLst>
         </pc:spChg>
         <pc:spChg chg="add mod">
-          <ac:chgData name="robin wilson" userId="ce1af3a19a52ca63" providerId="LiveId" clId="{AF748CDB-9C3C-4299-A4F7-8FE850BD8E0B}" dt="2024-06-05T13:06:04.008" v="42" actId="20577"/>
+          <ac:chgData name="robin wilson" userId="ce1af3a19a52ca63" providerId="LiveId" clId="{152A8D3E-CB2A-499D-9738-25D11458110A}" dt="2025-03-03T17:20:33.514" v="59" actId="20577"/>
           <ac:spMkLst>
             <pc:docMk/>
-            <pc:sldMk cId="3967385962" sldId="297"/>
-            <ac:spMk id="8" creationId="{7B93D73C-D302-9B44-E6E5-BA09FD545FB0}"/>
+            <pc:sldMk cId="1530084731" sldId="298"/>
+            <ac:spMk id="13" creationId="{D94131B8-6611-3AAB-64AF-CD4C93E9EF89}"/>
           </ac:spMkLst>
         </pc:spChg>
-        <pc:spChg chg="add mod">
-          <ac:chgData name="robin wilson" userId="ce1af3a19a52ca63" providerId="LiveId" clId="{AF748CDB-9C3C-4299-A4F7-8FE850BD8E0B}" dt="2024-06-05T13:06:20.049" v="52" actId="20577"/>
-          <ac:spMkLst>
-            <pc:docMk/>
-            <pc:sldMk cId="3967385962" sldId="297"/>
-            <ac:spMk id="9" creationId="{832400EF-487D-C651-8BC3-C56CDF5706F9}"/>
-          </ac:spMkLst>
-        </pc:spChg>
-        <pc:spChg chg="add mod">
-          <ac:chgData name="robin wilson" userId="ce1af3a19a52ca63" providerId="LiveId" clId="{AF748CDB-9C3C-4299-A4F7-8FE850BD8E0B}" dt="2024-06-05T13:06:13.887" v="47" actId="20577"/>
-          <ac:spMkLst>
-            <pc:docMk/>
-            <pc:sldMk cId="3967385962" sldId="297"/>
-            <ac:spMk id="10" creationId="{2F4C300D-FA43-7D57-BCCD-3F63BACE3218}"/>
-          </ac:spMkLst>
-        </pc:spChg>
-        <pc:picChg chg="add">
-          <ac:chgData name="robin wilson" userId="ce1af3a19a52ca63" providerId="LiveId" clId="{AF748CDB-9C3C-4299-A4F7-8FE850BD8E0B}" dt="2024-06-05T13:05:26.907" v="37" actId="22"/>
+        <pc:picChg chg="del">
+          <ac:chgData name="robin wilson" userId="ce1af3a19a52ca63" providerId="LiveId" clId="{152A8D3E-CB2A-499D-9738-25D11458110A}" dt="2025-03-03T17:20:10.048" v="26" actId="478"/>
           <ac:picMkLst>
             <pc:docMk/>
-            <pc:sldMk cId="3967385962" sldId="297"/>
-            <ac:picMk id="5" creationId="{7D21DE62-2B7F-1C32-5D67-647CC2D22BBA}"/>
+            <pc:sldMk cId="1530084731" sldId="298"/>
+            <ac:picMk id="3" creationId="{F1DEA2D3-5BE8-1B50-278A-5B8B13C1B189}"/>
+          </ac:picMkLst>
+        </pc:picChg>
+        <pc:picChg chg="del">
+          <ac:chgData name="robin wilson" userId="ce1af3a19a52ca63" providerId="LiveId" clId="{152A8D3E-CB2A-499D-9738-25D11458110A}" dt="2025-03-03T17:20:11.030" v="27" actId="478"/>
+          <ac:picMkLst>
+            <pc:docMk/>
+            <pc:sldMk cId="1530084731" sldId="298"/>
+            <ac:picMk id="8" creationId="{612A891D-7A3F-B45B-A9E1-F51E8C0F7134}"/>
           </ac:picMkLst>
         </pc:picChg>
         <pc:picChg chg="add">
-          <ac:chgData name="robin wilson" userId="ce1af3a19a52ca63" providerId="LiveId" clId="{AF748CDB-9C3C-4299-A4F7-8FE850BD8E0B}" dt="2024-06-05T13:05:45.369" v="38" actId="22"/>
+          <ac:chgData name="robin wilson" userId="ce1af3a19a52ca63" providerId="LiveId" clId="{152A8D3E-CB2A-499D-9738-25D11458110A}" dt="2025-03-03T17:20:16.362" v="30" actId="22"/>
           <ac:picMkLst>
             <pc:docMk/>
-            <pc:sldMk cId="3967385962" sldId="297"/>
-            <ac:picMk id="7" creationId="{17E41BE3-E934-3B95-3BBC-747C2987796D}"/>
+            <pc:sldMk cId="1530084731" sldId="298"/>
+            <ac:picMk id="10" creationId="{2929FAF9-F10F-E5FE-07B6-EB3B64A90ECF}"/>
           </ac:picMkLst>
         </pc:picChg>
+        <pc:picChg chg="del">
+          <ac:chgData name="robin wilson" userId="ce1af3a19a52ca63" providerId="LiveId" clId="{152A8D3E-CB2A-499D-9738-25D11458110A}" dt="2025-03-03T17:20:11.944" v="28" actId="478"/>
+          <ac:picMkLst>
+            <pc:docMk/>
+            <pc:sldMk cId="1530084731" sldId="298"/>
+            <ac:picMk id="11" creationId="{204C794F-601C-675C-2EBD-13F7106AC5A5}"/>
+          </ac:picMkLst>
+        </pc:picChg>
+        <pc:cxnChg chg="del">
+          <ac:chgData name="robin wilson" userId="ce1af3a19a52ca63" providerId="LiveId" clId="{152A8D3E-CB2A-499D-9738-25D11458110A}" dt="2025-03-03T17:20:15.201" v="29" actId="478"/>
+          <ac:cxnSpMkLst>
+            <pc:docMk/>
+            <pc:sldMk cId="1530084731" sldId="298"/>
+            <ac:cxnSpMk id="6" creationId="{8E006D98-FAC0-88F9-9ED7-1958CE4F5A01}"/>
+          </ac:cxnSpMkLst>
+        </pc:cxnChg>
+        <pc:cxnChg chg="del">
+          <ac:chgData name="robin wilson" userId="ce1af3a19a52ca63" providerId="LiveId" clId="{152A8D3E-CB2A-499D-9738-25D11458110A}" dt="2025-03-03T17:20:15.201" v="29" actId="478"/>
+          <ac:cxnSpMkLst>
+            <pc:docMk/>
+            <pc:sldMk cId="1530084731" sldId="298"/>
+            <ac:cxnSpMk id="7" creationId="{B289D00F-984F-CF2D-1883-05665A5BE841}"/>
+          </ac:cxnSpMkLst>
+        </pc:cxnChg>
+        <pc:cxnChg chg="del">
+          <ac:chgData name="robin wilson" userId="ce1af3a19a52ca63" providerId="LiveId" clId="{152A8D3E-CB2A-499D-9738-25D11458110A}" dt="2025-03-03T17:20:15.201" v="29" actId="478"/>
+          <ac:cxnSpMkLst>
+            <pc:docMk/>
+            <pc:sldMk cId="1530084731" sldId="298"/>
+            <ac:cxnSpMk id="9" creationId="{18D87119-AA61-7ACD-B44E-D4029AF7E174}"/>
+          </ac:cxnSpMkLst>
+        </pc:cxnChg>
+        <pc:cxnChg chg="del mod">
+          <ac:chgData name="robin wilson" userId="ce1af3a19a52ca63" providerId="LiveId" clId="{152A8D3E-CB2A-499D-9738-25D11458110A}" dt="2025-03-03T17:20:15.201" v="29" actId="478"/>
+          <ac:cxnSpMkLst>
+            <pc:docMk/>
+            <pc:sldMk cId="1530084731" sldId="298"/>
+            <ac:cxnSpMk id="12" creationId="{C7B9D294-8E73-6EBE-D787-FE30F4797D76}"/>
+          </ac:cxnSpMkLst>
+        </pc:cxnChg>
       </pc:sldChg>
     </pc:docChg>
   </pc:docChgLst>
@@ -1300,30 +570,6 @@
           <pc:docMk/>
           <pc:sldMk cId="0" sldId="256"/>
         </pc:sldMkLst>
-        <pc:spChg chg="add mod">
-          <ac:chgData name="robin wilson" userId="ce1af3a19a52ca63" providerId="LiveId" clId="{F679233E-479E-49BF-853C-061E3CD9C0EA}" dt="2024-04-09T16:55:13.079" v="10" actId="6549"/>
-          <ac:spMkLst>
-            <pc:docMk/>
-            <pc:sldMk cId="0" sldId="256"/>
-            <ac:spMk id="4" creationId="{4E06148E-B7CC-EC5A-9D65-78C1550B8231}"/>
-          </ac:spMkLst>
-        </pc:spChg>
-        <pc:spChg chg="mod ord">
-          <ac:chgData name="robin wilson" userId="ce1af3a19a52ca63" providerId="LiveId" clId="{F679233E-479E-49BF-853C-061E3CD9C0EA}" dt="2024-04-09T16:55:00.463" v="6" actId="1076"/>
-          <ac:spMkLst>
-            <pc:docMk/>
-            <pc:sldMk cId="0" sldId="256"/>
-            <ac:spMk id="28" creationId="{00000000-0000-0000-0000-000000000000}"/>
-          </ac:spMkLst>
-        </pc:spChg>
-        <pc:picChg chg="add mod">
-          <ac:chgData name="robin wilson" userId="ce1af3a19a52ca63" providerId="LiveId" clId="{F679233E-479E-49BF-853C-061E3CD9C0EA}" dt="2024-04-09T16:54:13.748" v="3" actId="14100"/>
-          <ac:picMkLst>
-            <pc:docMk/>
-            <pc:sldMk cId="0" sldId="256"/>
-            <ac:picMk id="3" creationId="{E84D481C-57A0-669A-3291-20E9CAB9BA56}"/>
-          </ac:picMkLst>
-        </pc:picChg>
       </pc:sldChg>
       <pc:sldChg chg="addSp delSp modSp mod">
         <pc:chgData name="robin wilson" userId="ce1af3a19a52ca63" providerId="LiveId" clId="{F679233E-479E-49BF-853C-061E3CD9C0EA}" dt="2024-04-09T19:49:45.215" v="21" actId="20577"/>
@@ -1331,30 +577,6 @@
           <pc:docMk/>
           <pc:sldMk cId="0" sldId="257"/>
         </pc:sldMkLst>
-        <pc:spChg chg="add mod">
-          <ac:chgData name="robin wilson" userId="ce1af3a19a52ca63" providerId="LiveId" clId="{F679233E-479E-49BF-853C-061E3CD9C0EA}" dt="2024-04-09T19:49:45.215" v="21" actId="20577"/>
-          <ac:spMkLst>
-            <pc:docMk/>
-            <pc:sldMk cId="0" sldId="257"/>
-            <ac:spMk id="38" creationId="{61DCE636-26AF-53F1-944B-CA1EEEB41C54}"/>
-          </ac:spMkLst>
-        </pc:spChg>
-        <pc:picChg chg="add mod">
-          <ac:chgData name="robin wilson" userId="ce1af3a19a52ca63" providerId="LiveId" clId="{F679233E-479E-49BF-853C-061E3CD9C0EA}" dt="2024-04-09T19:49:00.165" v="13" actId="14100"/>
-          <ac:picMkLst>
-            <pc:docMk/>
-            <pc:sldMk cId="0" sldId="257"/>
-            <ac:picMk id="32" creationId="{DF15795D-FCF2-E3A4-86F0-39F5EC54563F}"/>
-          </ac:picMkLst>
-        </pc:picChg>
-        <pc:picChg chg="add del">
-          <ac:chgData name="robin wilson" userId="ce1af3a19a52ca63" providerId="LiveId" clId="{F679233E-479E-49BF-853C-061E3CD9C0EA}" dt="2024-04-09T19:49:26.798" v="15" actId="22"/>
-          <ac:picMkLst>
-            <pc:docMk/>
-            <pc:sldMk cId="0" sldId="257"/>
-            <ac:picMk id="36" creationId="{B9A06330-01A1-BBC1-7FC9-CD6D2C64CE36}"/>
-          </ac:picMkLst>
-        </pc:picChg>
       </pc:sldChg>
     </pc:docChg>
   </pc:docChgLst>
@@ -1371,78 +593,6 @@
           <pc:docMk/>
           <pc:sldMk cId="1805550245" sldId="287"/>
         </pc:sldMkLst>
-        <pc:spChg chg="mod">
-          <ac:chgData name="Oaklands Pigs" userId="ce1af3a19a52ca63" providerId="LiveId" clId="{D88325C7-EA48-41DE-A93F-EE67E6C2817B}" dt="2022-12-08T13:46:41.970" v="51" actId="20577"/>
-          <ac:spMkLst>
-            <pc:docMk/>
-            <pc:sldMk cId="1805550245" sldId="287"/>
-            <ac:spMk id="5" creationId="{4E75CD0C-3436-45E8-B035-CBF7C83245E3}"/>
-          </ac:spMkLst>
-        </pc:spChg>
-        <pc:spChg chg="del">
-          <ac:chgData name="Oaklands Pigs" userId="ce1af3a19a52ca63" providerId="LiveId" clId="{D88325C7-EA48-41DE-A93F-EE67E6C2817B}" dt="2022-12-08T13:47:05.701" v="78" actId="478"/>
-          <ac:spMkLst>
-            <pc:docMk/>
-            <pc:sldMk cId="1805550245" sldId="287"/>
-            <ac:spMk id="6" creationId="{7ABE6320-D3BD-468D-9FD2-4572F3956AF3}"/>
-          </ac:spMkLst>
-        </pc:spChg>
-        <pc:spChg chg="del">
-          <ac:chgData name="Oaklands Pigs" userId="ce1af3a19a52ca63" providerId="LiveId" clId="{D88325C7-EA48-41DE-A93F-EE67E6C2817B}" dt="2022-12-08T13:47:07.997" v="79" actId="478"/>
-          <ac:spMkLst>
-            <pc:docMk/>
-            <pc:sldMk cId="1805550245" sldId="287"/>
-            <ac:spMk id="7" creationId="{0114BF54-3C74-4183-A39A-804AA611E515}"/>
-          </ac:spMkLst>
-        </pc:spChg>
-        <pc:spChg chg="add mod">
-          <ac:chgData name="Oaklands Pigs" userId="ce1af3a19a52ca63" providerId="LiveId" clId="{D88325C7-EA48-41DE-A93F-EE67E6C2817B}" dt="2022-12-08T13:47:00.813" v="77" actId="1076"/>
-          <ac:spMkLst>
-            <pc:docMk/>
-            <pc:sldMk cId="1805550245" sldId="287"/>
-            <ac:spMk id="9" creationId="{CE7BB4D1-ED59-2706-6020-7CF65D50E010}"/>
-          </ac:spMkLst>
-        </pc:spChg>
-        <pc:spChg chg="mod">
-          <ac:chgData name="Oaklands Pigs" userId="ce1af3a19a52ca63" providerId="LiveId" clId="{D88325C7-EA48-41DE-A93F-EE67E6C2817B}" dt="2022-12-08T13:47:16.014" v="81" actId="1076"/>
-          <ac:spMkLst>
-            <pc:docMk/>
-            <pc:sldMk cId="1805550245" sldId="287"/>
-            <ac:spMk id="10" creationId="{A7E3C703-7341-44CA-AECB-D67B378411DB}"/>
-          </ac:spMkLst>
-        </pc:spChg>
-        <pc:spChg chg="add mod">
-          <ac:chgData name="Oaklands Pigs" userId="ce1af3a19a52ca63" providerId="LiveId" clId="{D88325C7-EA48-41DE-A93F-EE67E6C2817B}" dt="2022-12-08T13:46:25.686" v="42" actId="14100"/>
-          <ac:spMkLst>
-            <pc:docMk/>
-            <pc:sldMk cId="1805550245" sldId="287"/>
-            <ac:spMk id="11" creationId="{6CF371CC-3EE8-30EC-A54C-1637551BBB67}"/>
-          </ac:spMkLst>
-        </pc:spChg>
-        <pc:picChg chg="del">
-          <ac:chgData name="Oaklands Pigs" userId="ce1af3a19a52ca63" providerId="LiveId" clId="{D88325C7-EA48-41DE-A93F-EE67E6C2817B}" dt="2022-12-08T13:44:24.668" v="1" actId="478"/>
-          <ac:picMkLst>
-            <pc:docMk/>
-            <pc:sldMk cId="1805550245" sldId="287"/>
-            <ac:picMk id="2" creationId="{42268BCE-AA3F-4297-9AA9-67ECB5749AE0}"/>
-          </ac:picMkLst>
-        </pc:picChg>
-        <pc:picChg chg="del">
-          <ac:chgData name="Oaklands Pigs" userId="ce1af3a19a52ca63" providerId="LiveId" clId="{D88325C7-EA48-41DE-A93F-EE67E6C2817B}" dt="2022-12-08T13:44:26.594" v="2" actId="478"/>
-          <ac:picMkLst>
-            <pc:docMk/>
-            <pc:sldMk cId="1805550245" sldId="287"/>
-            <ac:picMk id="3" creationId="{776423ED-9459-44A7-AEDC-90E6C368407B}"/>
-          </ac:picMkLst>
-        </pc:picChg>
-        <pc:picChg chg="add mod ord">
-          <ac:chgData name="Oaklands Pigs" userId="ce1af3a19a52ca63" providerId="LiveId" clId="{D88325C7-EA48-41DE-A93F-EE67E6C2817B}" dt="2022-12-08T13:46:16.960" v="41" actId="1076"/>
-          <ac:picMkLst>
-            <pc:docMk/>
-            <pc:sldMk cId="1805550245" sldId="287"/>
-            <ac:picMk id="8" creationId="{F8E81ACA-8523-4876-23EC-BC3BB8DD1F36}"/>
-          </ac:picMkLst>
-        </pc:picChg>
       </pc:sldChg>
       <pc:sldChg chg="addSp modSp new mod">
         <pc:chgData name="Oaklands Pigs" userId="ce1af3a19a52ca63" providerId="LiveId" clId="{D88325C7-EA48-41DE-A93F-EE67E6C2817B}" dt="2022-12-16T17:14:02.993" v="89" actId="14100"/>
@@ -1450,22 +600,6 @@
           <pc:docMk/>
           <pc:sldMk cId="478081300" sldId="288"/>
         </pc:sldMkLst>
-        <pc:picChg chg="add mod">
-          <ac:chgData name="Oaklands Pigs" userId="ce1af3a19a52ca63" providerId="LiveId" clId="{D88325C7-EA48-41DE-A93F-EE67E6C2817B}" dt="2022-12-16T17:13:26.286" v="85" actId="1076"/>
-          <ac:picMkLst>
-            <pc:docMk/>
-            <pc:sldMk cId="478081300" sldId="288"/>
-            <ac:picMk id="3" creationId="{FBF8F7D4-99D6-A25D-EA7E-0A108E5EBCD6}"/>
-          </ac:picMkLst>
-        </pc:picChg>
-        <pc:picChg chg="add mod">
-          <ac:chgData name="Oaklands Pigs" userId="ce1af3a19a52ca63" providerId="LiveId" clId="{D88325C7-EA48-41DE-A93F-EE67E6C2817B}" dt="2022-12-16T17:14:02.993" v="89" actId="14100"/>
-          <ac:picMkLst>
-            <pc:docMk/>
-            <pc:sldMk cId="478081300" sldId="288"/>
-            <ac:picMk id="5" creationId="{0952500B-8A2B-5E84-2328-2D2F5619908D}"/>
-          </ac:picMkLst>
-        </pc:picChg>
       </pc:sldChg>
     </pc:docChg>
   </pc:docChgLst>
@@ -1482,30 +616,6 @@
           <pc:docMk/>
           <pc:sldMk cId="0" sldId="257"/>
         </pc:sldMkLst>
-        <pc:spChg chg="mod">
-          <ac:chgData name="robin wilson" userId="ce1af3a19a52ca63" providerId="LiveId" clId="{8CBC1FAD-E038-4EC5-BD06-43E831C06622}" dt="2024-02-03T20:08:08.950" v="0" actId="1076"/>
-          <ac:spMkLst>
-            <pc:docMk/>
-            <pc:sldMk cId="0" sldId="257"/>
-            <ac:spMk id="11" creationId="{00000000-0000-0000-0000-000000000000}"/>
-          </ac:spMkLst>
-        </pc:spChg>
-        <pc:spChg chg="add mod">
-          <ac:chgData name="robin wilson" userId="ce1af3a19a52ca63" providerId="LiveId" clId="{8CBC1FAD-E038-4EC5-BD06-43E831C06622}" dt="2024-02-03T20:08:39.888" v="8" actId="20577"/>
-          <ac:spMkLst>
-            <pc:docMk/>
-            <pc:sldMk cId="0" sldId="257"/>
-            <ac:spMk id="22" creationId="{A5DFE8FB-0FC8-B64D-CE50-27305B0430A3}"/>
-          </ac:spMkLst>
-        </pc:spChg>
-        <pc:spChg chg="mod">
-          <ac:chgData name="robin wilson" userId="ce1af3a19a52ca63" providerId="LiveId" clId="{8CBC1FAD-E038-4EC5-BD06-43E831C06622}" dt="2024-02-03T20:08:23.707" v="4"/>
-          <ac:spMkLst>
-            <pc:docMk/>
-            <pc:sldMk cId="0" sldId="257"/>
-            <ac:spMk id="43" creationId="{B870BC97-31AE-40CD-8B88-FF8140451D11}"/>
-          </ac:spMkLst>
-        </pc:spChg>
       </pc:sldChg>
     </pc:docChg>
   </pc:docChgLst>
@@ -1595,7 +705,7 @@
             <a:fld id="{A00E8BF8-3834-41CD-8D2C-1A8AEE216FA6}" type="datetimeFigureOut">
               <a:rPr lang="en-GB" smtClean="0"/>
               <a:pPr/>
-              <a:t>05/06/2024</a:t>
+              <a:t>03/03/2025</a:t>
             </a:fld>
             <a:endParaRPr lang="en-GB"/>
           </a:p>
@@ -2106,7 +1216,7 @@
             <a:fld id="{1667B4E5-824C-4A1E-BBF9-5B817C6D03A4}" type="slidenum">
               <a:rPr lang="en-GB" smtClean="0"/>
               <a:pPr/>
-              <a:t>38</a:t>
+              <a:t>39</a:t>
             </a:fld>
             <a:endParaRPr lang="en-GB"/>
           </a:p>
@@ -2191,7 +1301,7 @@
             <a:fld id="{1667B4E5-824C-4A1E-BBF9-5B817C6D03A4}" type="slidenum">
               <a:rPr lang="en-GB" smtClean="0"/>
               <a:pPr/>
-              <a:t>39</a:t>
+              <a:t>40</a:t>
             </a:fld>
             <a:endParaRPr lang="en-GB"/>
           </a:p>
@@ -2392,7 +1502,7 @@
             <a:fld id="{972E2E69-7931-4F78-AC03-7197C7B7D7E3}" type="datetimeFigureOut">
               <a:rPr lang="en-GB" smtClean="0"/>
               <a:pPr/>
-              <a:t>05/06/2024</a:t>
+              <a:t>03/03/2025</a:t>
             </a:fld>
             <a:endParaRPr lang="en-GB"/>
           </a:p>
@@ -2559,7 +1669,7 @@
             <a:fld id="{972E2E69-7931-4F78-AC03-7197C7B7D7E3}" type="datetimeFigureOut">
               <a:rPr lang="en-GB" smtClean="0"/>
               <a:pPr/>
-              <a:t>05/06/2024</a:t>
+              <a:t>03/03/2025</a:t>
             </a:fld>
             <a:endParaRPr lang="en-GB"/>
           </a:p>
@@ -2736,7 +1846,7 @@
             <a:fld id="{972E2E69-7931-4F78-AC03-7197C7B7D7E3}" type="datetimeFigureOut">
               <a:rPr lang="en-GB" smtClean="0"/>
               <a:pPr/>
-              <a:t>05/06/2024</a:t>
+              <a:t>03/03/2025</a:t>
             </a:fld>
             <a:endParaRPr lang="en-GB"/>
           </a:p>
@@ -2903,7 +2013,7 @@
             <a:fld id="{972E2E69-7931-4F78-AC03-7197C7B7D7E3}" type="datetimeFigureOut">
               <a:rPr lang="en-GB" smtClean="0"/>
               <a:pPr/>
-              <a:t>05/06/2024</a:t>
+              <a:t>03/03/2025</a:t>
             </a:fld>
             <a:endParaRPr lang="en-GB"/>
           </a:p>
@@ -3146,7 +2256,7 @@
             <a:fld id="{972E2E69-7931-4F78-AC03-7197C7B7D7E3}" type="datetimeFigureOut">
               <a:rPr lang="en-GB" smtClean="0"/>
               <a:pPr/>
-              <a:t>05/06/2024</a:t>
+              <a:t>03/03/2025</a:t>
             </a:fld>
             <a:endParaRPr lang="en-GB"/>
           </a:p>
@@ -3431,7 +2541,7 @@
             <a:fld id="{972E2E69-7931-4F78-AC03-7197C7B7D7E3}" type="datetimeFigureOut">
               <a:rPr lang="en-GB" smtClean="0"/>
               <a:pPr/>
-              <a:t>05/06/2024</a:t>
+              <a:t>03/03/2025</a:t>
             </a:fld>
             <a:endParaRPr lang="en-GB"/>
           </a:p>
@@ -3850,7 +2960,7 @@
             <a:fld id="{972E2E69-7931-4F78-AC03-7197C7B7D7E3}" type="datetimeFigureOut">
               <a:rPr lang="en-GB" smtClean="0"/>
               <a:pPr/>
-              <a:t>05/06/2024</a:t>
+              <a:t>03/03/2025</a:t>
             </a:fld>
             <a:endParaRPr lang="en-GB"/>
           </a:p>
@@ -3965,7 +3075,7 @@
             <a:fld id="{972E2E69-7931-4F78-AC03-7197C7B7D7E3}" type="datetimeFigureOut">
               <a:rPr lang="en-GB" smtClean="0"/>
               <a:pPr/>
-              <a:t>05/06/2024</a:t>
+              <a:t>03/03/2025</a:t>
             </a:fld>
             <a:endParaRPr lang="en-GB"/>
           </a:p>
@@ -4057,7 +3167,7 @@
             <a:fld id="{972E2E69-7931-4F78-AC03-7197C7B7D7E3}" type="datetimeFigureOut">
               <a:rPr lang="en-GB" smtClean="0"/>
               <a:pPr/>
-              <a:t>05/06/2024</a:t>
+              <a:t>03/03/2025</a:t>
             </a:fld>
             <a:endParaRPr lang="en-GB"/>
           </a:p>
@@ -4331,7 +3441,7 @@
             <a:fld id="{972E2E69-7931-4F78-AC03-7197C7B7D7E3}" type="datetimeFigureOut">
               <a:rPr lang="en-GB" smtClean="0"/>
               <a:pPr/>
-              <a:t>05/06/2024</a:t>
+              <a:t>03/03/2025</a:t>
             </a:fld>
             <a:endParaRPr lang="en-GB"/>
           </a:p>
@@ -4581,7 +3691,7 @@
             <a:fld id="{972E2E69-7931-4F78-AC03-7197C7B7D7E3}" type="datetimeFigureOut">
               <a:rPr lang="en-GB" smtClean="0"/>
               <a:pPr/>
-              <a:t>05/06/2024</a:t>
+              <a:t>03/03/2025</a:t>
             </a:fld>
             <a:endParaRPr lang="en-GB"/>
           </a:p>
@@ -4791,7 +3901,7 @@
             <a:fld id="{972E2E69-7931-4F78-AC03-7197C7B7D7E3}" type="datetimeFigureOut">
               <a:rPr lang="en-GB" smtClean="0"/>
               <a:pPr/>
-              <a:t>05/06/2024</a:t>
+              <a:t>03/03/2025</a:t>
             </a:fld>
             <a:endParaRPr lang="en-GB"/>
           </a:p>
@@ -15356,7 +14466,7 @@
         </p:blipFill>
         <p:spPr>
           <a:xfrm>
-            <a:off x="704515" y="2072522"/>
+            <a:off x="704515" y="1124744"/>
             <a:ext cx="7734970" cy="2712955"/>
           </a:xfrm>
           <a:prstGeom prst="rect">
@@ -15378,7 +14488,7 @@
         </p:nvSpPr>
         <p:spPr>
           <a:xfrm>
-            <a:off x="5148064" y="3338323"/>
+            <a:off x="5148064" y="2390545"/>
             <a:ext cx="288032" cy="288032"/>
           </a:xfrm>
           <a:prstGeom prst="ellipse">
@@ -15428,7 +14538,7 @@
         </p:nvSpPr>
         <p:spPr>
           <a:xfrm>
-            <a:off x="3640088" y="3689979"/>
+            <a:off x="3640088" y="2742201"/>
             <a:ext cx="288032" cy="288032"/>
           </a:xfrm>
           <a:prstGeom prst="ellipse">
@@ -15480,7 +14590,7 @@
         </p:nvCxnSpPr>
         <p:spPr>
           <a:xfrm flipH="1">
-            <a:off x="4932040" y="3455287"/>
+            <a:off x="4932040" y="2507509"/>
             <a:ext cx="144016" cy="0"/>
           </a:xfrm>
           <a:prstGeom prst="straightConnector1">
@@ -15521,7 +14631,7 @@
         </p:nvCxnSpPr>
         <p:spPr>
           <a:xfrm flipH="1">
-            <a:off x="3347864" y="3833995"/>
+            <a:off x="3347864" y="2886217"/>
             <a:ext cx="216768" cy="0"/>
           </a:xfrm>
           <a:prstGeom prst="straightConnector1">
@@ -15562,7 +14672,7 @@
         </p:nvCxnSpPr>
         <p:spPr>
           <a:xfrm>
-            <a:off x="3996308" y="3833995"/>
+            <a:off x="3996308" y="2886217"/>
             <a:ext cx="288776" cy="0"/>
           </a:xfrm>
           <a:prstGeom prst="straightConnector1">
@@ -15604,7 +14714,7 @@
         </p:nvCxnSpPr>
         <p:spPr>
           <a:xfrm rot="5400000" flipH="1" flipV="1">
-            <a:off x="5330181" y="2287918"/>
+            <a:off x="5330181" y="1340140"/>
             <a:ext cx="144016" cy="3236170"/>
           </a:xfrm>
           <a:prstGeom prst="bentConnector4">
@@ -15632,6 +14742,152 @@
           </a:fontRef>
         </p:style>
       </p:cxnSp>
+      <p:pic>
+        <p:nvPicPr>
+          <p:cNvPr id="8" name="Picture 7">
+            <a:extLst>
+              <a:ext uri="{FF2B5EF4-FFF2-40B4-BE49-F238E27FC236}">
+                <a16:creationId xmlns:a16="http://schemas.microsoft.com/office/drawing/2014/main" id="{B20D441C-1321-401D-48DC-504B7B9C864A}"/>
+              </a:ext>
+            </a:extLst>
+          </p:cNvPr>
+          <p:cNvPicPr>
+            <a:picLocks noChangeAspect="1"/>
+          </p:cNvPicPr>
+          <p:nvPr/>
+        </p:nvPicPr>
+        <p:blipFill>
+          <a:blip r:embed="rId3"/>
+          <a:stretch>
+            <a:fillRect/>
+          </a:stretch>
+        </p:blipFill>
+        <p:spPr>
+          <a:xfrm>
+            <a:off x="7574144" y="1954156"/>
+            <a:ext cx="3139712" cy="3368332"/>
+          </a:xfrm>
+          <a:prstGeom prst="rect">
+            <a:avLst/>
+          </a:prstGeom>
+        </p:spPr>
+      </p:pic>
+      <p:pic>
+        <p:nvPicPr>
+          <p:cNvPr id="11" name="Picture 10">
+            <a:extLst>
+              <a:ext uri="{FF2B5EF4-FFF2-40B4-BE49-F238E27FC236}">
+                <a16:creationId xmlns:a16="http://schemas.microsoft.com/office/drawing/2014/main" id="{70AE83DA-1AEF-218D-56B9-1DC27AADCFE7}"/>
+              </a:ext>
+            </a:extLst>
+          </p:cNvPr>
+          <p:cNvPicPr>
+            <a:picLocks noChangeAspect="1"/>
+          </p:cNvPicPr>
+          <p:nvPr/>
+        </p:nvPicPr>
+        <p:blipFill>
+          <a:blip r:embed="rId4"/>
+          <a:stretch>
+            <a:fillRect/>
+          </a:stretch>
+        </p:blipFill>
+        <p:spPr>
+          <a:xfrm>
+            <a:off x="8412416" y="1124744"/>
+            <a:ext cx="1463167" cy="845893"/>
+          </a:xfrm>
+          <a:prstGeom prst="rect">
+            <a:avLst/>
+          </a:prstGeom>
+        </p:spPr>
+      </p:pic>
+      <p:sp>
+        <p:nvSpPr>
+          <p:cNvPr id="19" name="Oval 18">
+            <a:extLst>
+              <a:ext uri="{FF2B5EF4-FFF2-40B4-BE49-F238E27FC236}">
+                <a16:creationId xmlns:a16="http://schemas.microsoft.com/office/drawing/2014/main" id="{3A4ECDA0-8BD5-70B2-3D43-351B25C4EE83}"/>
+              </a:ext>
+            </a:extLst>
+          </p:cNvPr>
+          <p:cNvSpPr/>
+          <p:nvPr/>
+        </p:nvSpPr>
+        <p:spPr>
+          <a:xfrm>
+            <a:off x="9875583" y="2363493"/>
+            <a:ext cx="288032" cy="288032"/>
+          </a:xfrm>
+          <a:prstGeom prst="ellipse">
+            <a:avLst/>
+          </a:prstGeom>
+        </p:spPr>
+        <p:style>
+          <a:lnRef idx="2">
+            <a:schemeClr val="accent1">
+              <a:shade val="50000"/>
+            </a:schemeClr>
+          </a:lnRef>
+          <a:fillRef idx="1">
+            <a:schemeClr val="accent1"/>
+          </a:fillRef>
+          <a:effectRef idx="0">
+            <a:schemeClr val="accent1"/>
+          </a:effectRef>
+          <a:fontRef idx="minor">
+            <a:schemeClr val="lt1"/>
+          </a:fontRef>
+        </p:style>
+        <p:txBody>
+          <a:bodyPr rtlCol="0" anchor="ctr"/>
+          <a:lstStyle/>
+          <a:p>
+            <a:pPr algn="ctr"/>
+            <a:r>
+              <a:rPr lang="en-US" dirty="0"/>
+              <a:t>5</a:t>
+            </a:r>
+            <a:endParaRPr lang="en-GB" dirty="0"/>
+          </a:p>
+        </p:txBody>
+      </p:sp>
+      <p:sp>
+        <p:nvSpPr>
+          <p:cNvPr id="20" name="TextBox 19">
+            <a:extLst>
+              <a:ext uri="{FF2B5EF4-FFF2-40B4-BE49-F238E27FC236}">
+                <a16:creationId xmlns:a16="http://schemas.microsoft.com/office/drawing/2014/main" id="{39696F40-A60B-37AC-A1EE-D985B19BA95B}"/>
+              </a:ext>
+            </a:extLst>
+          </p:cNvPr>
+          <p:cNvSpPr txBox="1"/>
+          <p:nvPr/>
+        </p:nvSpPr>
+        <p:spPr>
+          <a:xfrm>
+            <a:off x="1691680" y="5661248"/>
+            <a:ext cx="4448334" cy="369332"/>
+          </a:xfrm>
+          <a:prstGeom prst="rect">
+            <a:avLst/>
+          </a:prstGeom>
+          <a:noFill/>
+        </p:spPr>
+        <p:txBody>
+          <a:bodyPr wrap="none" rtlCol="0">
+            <a:spAutoFit/>
+          </a:bodyPr>
+          <a:lstStyle/>
+          <a:p>
+            <a:r>
+              <a:rPr lang="en-US" dirty="0"/>
+              <a:t>Snip tool used to copy and paste to next page</a:t>
+            </a:r>
+            <a:endParaRPr lang="en-GB" dirty="0"/>
+          </a:p>
+        </p:txBody>
+      </p:sp>
     </p:spTree>
     <p:extLst>
       <p:ext uri="{BB962C8B-B14F-4D97-AF65-F5344CB8AC3E}">
@@ -15646,6 +14902,158 @@
 </file>
 
 <file path=ppt/slides/slide36.xml><?xml version="1.0" encoding="utf-8"?>
+<p:sld xmlns:a="http://schemas.openxmlformats.org/drawingml/2006/main" xmlns:r="http://schemas.openxmlformats.org/officeDocument/2006/relationships" xmlns:p="http://schemas.openxmlformats.org/presentationml/2006/main">
+  <p:cSld>
+    <p:spTree>
+      <p:nvGrpSpPr>
+        <p:cNvPr id="1" name="">
+          <a:extLst>
+            <a:ext uri="{FF2B5EF4-FFF2-40B4-BE49-F238E27FC236}">
+              <a16:creationId xmlns:a16="http://schemas.microsoft.com/office/drawing/2014/main" id="{3D696BC0-2FCE-32DF-9973-957135DF1EBF}"/>
+            </a:ext>
+          </a:extLst>
+        </p:cNvPr>
+        <p:cNvGrpSpPr/>
+        <p:nvPr/>
+      </p:nvGrpSpPr>
+      <p:grpSpPr>
+        <a:xfrm>
+          <a:off x="0" y="0"/>
+          <a:ext cx="0" cy="0"/>
+          <a:chOff x="0" y="0"/>
+          <a:chExt cx="0" cy="0"/>
+        </a:xfrm>
+      </p:grpSpPr>
+      <p:sp>
+        <p:nvSpPr>
+          <p:cNvPr id="19" name="Oval 18">
+            <a:extLst>
+              <a:ext uri="{FF2B5EF4-FFF2-40B4-BE49-F238E27FC236}">
+                <a16:creationId xmlns:a16="http://schemas.microsoft.com/office/drawing/2014/main" id="{EA3A6879-A251-3B91-59B0-94E2EB15A087}"/>
+              </a:ext>
+            </a:extLst>
+          </p:cNvPr>
+          <p:cNvSpPr/>
+          <p:nvPr/>
+        </p:nvSpPr>
+        <p:spPr>
+          <a:xfrm>
+            <a:off x="9875583" y="2363493"/>
+            <a:ext cx="288032" cy="288032"/>
+          </a:xfrm>
+          <a:prstGeom prst="ellipse">
+            <a:avLst/>
+          </a:prstGeom>
+        </p:spPr>
+        <p:style>
+          <a:lnRef idx="2">
+            <a:schemeClr val="accent1">
+              <a:shade val="50000"/>
+            </a:schemeClr>
+          </a:lnRef>
+          <a:fillRef idx="1">
+            <a:schemeClr val="accent1"/>
+          </a:fillRef>
+          <a:effectRef idx="0">
+            <a:schemeClr val="accent1"/>
+          </a:effectRef>
+          <a:fontRef idx="minor">
+            <a:schemeClr val="lt1"/>
+          </a:fontRef>
+        </p:style>
+        <p:txBody>
+          <a:bodyPr rtlCol="0" anchor="ctr"/>
+          <a:lstStyle/>
+          <a:p>
+            <a:pPr algn="ctr"/>
+            <a:r>
+              <a:rPr lang="en-US" dirty="0"/>
+              <a:t>5</a:t>
+            </a:r>
+            <a:endParaRPr lang="en-GB" dirty="0"/>
+          </a:p>
+        </p:txBody>
+      </p:sp>
+      <p:pic>
+        <p:nvPicPr>
+          <p:cNvPr id="10" name="Picture 9">
+            <a:extLst>
+              <a:ext uri="{FF2B5EF4-FFF2-40B4-BE49-F238E27FC236}">
+                <a16:creationId xmlns:a16="http://schemas.microsoft.com/office/drawing/2014/main" id="{2929FAF9-F10F-E5FE-07B6-EB3B64A90ECF}"/>
+              </a:ext>
+            </a:extLst>
+          </p:cNvPr>
+          <p:cNvPicPr>
+            <a:picLocks noChangeAspect="1"/>
+          </p:cNvPicPr>
+          <p:nvPr/>
+        </p:nvPicPr>
+        <p:blipFill>
+          <a:blip r:embed="rId2"/>
+          <a:stretch>
+            <a:fillRect/>
+          </a:stretch>
+        </p:blipFill>
+        <p:spPr>
+          <a:xfrm>
+            <a:off x="510188" y="2263039"/>
+            <a:ext cx="8123624" cy="2331922"/>
+          </a:xfrm>
+          <a:prstGeom prst="rect">
+            <a:avLst/>
+          </a:prstGeom>
+        </p:spPr>
+      </p:pic>
+      <p:sp>
+        <p:nvSpPr>
+          <p:cNvPr id="13" name="TextBox 12">
+            <a:extLst>
+              <a:ext uri="{FF2B5EF4-FFF2-40B4-BE49-F238E27FC236}">
+                <a16:creationId xmlns:a16="http://schemas.microsoft.com/office/drawing/2014/main" id="{D94131B8-6611-3AAB-64AF-CD4C93E9EF89}"/>
+              </a:ext>
+            </a:extLst>
+          </p:cNvPr>
+          <p:cNvSpPr txBox="1"/>
+          <p:nvPr/>
+        </p:nvSpPr>
+        <p:spPr>
+          <a:xfrm>
+            <a:off x="2195736" y="5445224"/>
+            <a:ext cx="2690288" cy="369332"/>
+          </a:xfrm>
+          <a:prstGeom prst="rect">
+            <a:avLst/>
+          </a:prstGeom>
+          <a:noFill/>
+        </p:spPr>
+        <p:txBody>
+          <a:bodyPr wrap="none" rtlCol="0">
+            <a:spAutoFit/>
+          </a:bodyPr>
+          <a:lstStyle/>
+          <a:p>
+            <a:r>
+              <a:rPr lang="en-US" dirty="0"/>
+              <a:t>Copied from previous slide</a:t>
+            </a:r>
+            <a:endParaRPr lang="en-GB" dirty="0"/>
+          </a:p>
+        </p:txBody>
+      </p:sp>
+    </p:spTree>
+    <p:extLst>
+      <p:ext uri="{BB962C8B-B14F-4D97-AF65-F5344CB8AC3E}">
+        <p14:creationId xmlns:p14="http://schemas.microsoft.com/office/powerpoint/2010/main" val="1530084731"/>
+      </p:ext>
+    </p:extLst>
+  </p:cSld>
+  <p:clrMapOvr>
+    <a:masterClrMapping/>
+  </p:clrMapOvr>
+</p:sld>
+</file>
+
+<file path=ppt/slides/slide37.xml><?xml version="1.0" encoding="utf-8"?>
 <p:sld xmlns:a="http://schemas.openxmlformats.org/drawingml/2006/main" xmlns:r="http://schemas.openxmlformats.org/officeDocument/2006/relationships" xmlns:p="http://schemas.openxmlformats.org/presentationml/2006/main">
   <p:cSld>
     <p:spTree>
@@ -15736,7 +15144,7 @@
             <a:pPr algn="ctr"/>
             <a:r>
               <a:rPr lang="en-US" dirty="0"/>
-              <a:t>5</a:t>
+              <a:t>6</a:t>
             </a:r>
             <a:endParaRPr lang="en-GB" dirty="0"/>
           </a:p>
@@ -15796,7 +15204,7 @@
 </p:sld>
 </file>
 
-<file path=ppt/slides/slide37.xml><?xml version="1.0" encoding="utf-8"?>
+<file path=ppt/slides/slide38.xml><?xml version="1.0" encoding="utf-8"?>
 <p:sld xmlns:a="http://schemas.openxmlformats.org/drawingml/2006/main" xmlns:r="http://schemas.openxmlformats.org/officeDocument/2006/relationships" xmlns:p="http://schemas.openxmlformats.org/presentationml/2006/main">
   <p:cSld>
     <p:spTree>
@@ -15917,7 +15325,7 @@
             <a:pPr algn="ctr"/>
             <a:r>
               <a:rPr lang="en-US" dirty="0"/>
-              <a:t>6</a:t>
+              <a:t>7</a:t>
             </a:r>
             <a:endParaRPr lang="en-GB" dirty="0"/>
           </a:p>
@@ -16109,7 +15517,7 @@
             <a:pPr algn="ctr"/>
             <a:r>
               <a:rPr lang="en-US" dirty="0"/>
-              <a:t>7</a:t>
+              <a:t>8</a:t>
             </a:r>
             <a:endParaRPr lang="en-GB" dirty="0"/>
           </a:p>
@@ -16159,7 +15567,7 @@
             <a:pPr algn="ctr"/>
             <a:r>
               <a:rPr lang="en-US" dirty="0"/>
-              <a:t>8</a:t>
+              <a:t>9</a:t>
             </a:r>
             <a:endParaRPr lang="en-GB" dirty="0"/>
           </a:p>
@@ -16251,96 +15659,6 @@
     <p:extLst>
       <p:ext uri="{BB962C8B-B14F-4D97-AF65-F5344CB8AC3E}">
         <p14:creationId xmlns:p14="http://schemas.microsoft.com/office/powerpoint/2010/main" val="122566778"/>
-      </p:ext>
-    </p:extLst>
-  </p:cSld>
-  <p:clrMapOvr>
-    <a:masterClrMapping/>
-  </p:clrMapOvr>
-</p:sld>
-</file>
-
-<file path=ppt/slides/slide38.xml><?xml version="1.0" encoding="utf-8"?>
-<p:sld xmlns:a="http://schemas.openxmlformats.org/drawingml/2006/main" xmlns:r="http://schemas.openxmlformats.org/officeDocument/2006/relationships" xmlns:p="http://schemas.openxmlformats.org/presentationml/2006/main">
-  <p:cSld>
-    <p:spTree>
-      <p:nvGrpSpPr>
-        <p:cNvPr id="1" name=""/>
-        <p:cNvGrpSpPr/>
-        <p:nvPr/>
-      </p:nvGrpSpPr>
-      <p:grpSpPr>
-        <a:xfrm>
-          <a:off x="0" y="0"/>
-          <a:ext cx="0" cy="0"/>
-          <a:chOff x="0" y="0"/>
-          <a:chExt cx="0" cy="0"/>
-        </a:xfrm>
-      </p:grpSpPr>
-      <p:pic>
-        <p:nvPicPr>
-          <p:cNvPr id="6" name="Picture 5">
-            <a:extLst>
-              <a:ext uri="{FF2B5EF4-FFF2-40B4-BE49-F238E27FC236}">
-                <a16:creationId xmlns:a16="http://schemas.microsoft.com/office/drawing/2014/main" id="{77B8ECB8-9905-D2B8-C27B-DBB945DFE390}"/>
-              </a:ext>
-            </a:extLst>
-          </p:cNvPr>
-          <p:cNvPicPr>
-            <a:picLocks noChangeAspect="1"/>
-          </p:cNvPicPr>
-          <p:nvPr/>
-        </p:nvPicPr>
-        <p:blipFill>
-          <a:blip r:embed="rId3"/>
-          <a:stretch>
-            <a:fillRect/>
-          </a:stretch>
-        </p:blipFill>
-        <p:spPr>
-          <a:xfrm>
-            <a:off x="323528" y="3717032"/>
-            <a:ext cx="2781541" cy="571550"/>
-          </a:xfrm>
-          <a:prstGeom prst="rect">
-            <a:avLst/>
-          </a:prstGeom>
-        </p:spPr>
-      </p:pic>
-      <p:pic>
-        <p:nvPicPr>
-          <p:cNvPr id="3" name="Picture 2">
-            <a:extLst>
-              <a:ext uri="{FF2B5EF4-FFF2-40B4-BE49-F238E27FC236}">
-                <a16:creationId xmlns:a16="http://schemas.microsoft.com/office/drawing/2014/main" id="{4DA7F282-16CE-3EC7-A64D-69A73C3DC4C9}"/>
-              </a:ext>
-            </a:extLst>
-          </p:cNvPr>
-          <p:cNvPicPr>
-            <a:picLocks noChangeAspect="1"/>
-          </p:cNvPicPr>
-          <p:nvPr/>
-        </p:nvPicPr>
-        <p:blipFill>
-          <a:blip r:embed="rId4"/>
-          <a:stretch>
-            <a:fillRect/>
-          </a:stretch>
-        </p:blipFill>
-        <p:spPr>
-          <a:xfrm>
-            <a:off x="-1488" y="188640"/>
-            <a:ext cx="9144000" cy="4981989"/>
-          </a:xfrm>
-          <a:prstGeom prst="rect">
-            <a:avLst/>
-          </a:prstGeom>
-        </p:spPr>
-      </p:pic>
-    </p:spTree>
-    <p:extLst>
-      <p:ext uri="{BB962C8B-B14F-4D97-AF65-F5344CB8AC3E}">
-        <p14:creationId xmlns:p14="http://schemas.microsoft.com/office/powerpoint/2010/main" val="1587141629"/>
       </p:ext>
     </p:extLst>
   </p:cSld>
@@ -16399,10 +15717,10 @@
       </p:pic>
       <p:pic>
         <p:nvPicPr>
-          <p:cNvPr id="8" name="Picture 7">
+          <p:cNvPr id="3" name="Picture 2">
             <a:extLst>
               <a:ext uri="{FF2B5EF4-FFF2-40B4-BE49-F238E27FC236}">
-                <a16:creationId xmlns:a16="http://schemas.microsoft.com/office/drawing/2014/main" id="{2DF84014-E2A8-DE0B-B135-151CDB8DDC9E}"/>
+                <a16:creationId xmlns:a16="http://schemas.microsoft.com/office/drawing/2014/main" id="{4DA7F282-16CE-3EC7-A64D-69A73C3DC4C9}"/>
               </a:ext>
             </a:extLst>
           </p:cNvPr>
@@ -16419,8 +15737,8 @@
         </p:blipFill>
         <p:spPr>
           <a:xfrm>
-            <a:off x="179512" y="620688"/>
-            <a:ext cx="3680779" cy="3817951"/>
+            <a:off x="-1488" y="188640"/>
+            <a:ext cx="9144000" cy="4981989"/>
           </a:xfrm>
           <a:prstGeom prst="rect">
             <a:avLst/>
@@ -16430,7 +15748,7 @@
     </p:spTree>
     <p:extLst>
       <p:ext uri="{BB962C8B-B14F-4D97-AF65-F5344CB8AC3E}">
-        <p14:creationId xmlns:p14="http://schemas.microsoft.com/office/powerpoint/2010/main" val="71906463"/>
+        <p14:creationId xmlns:p14="http://schemas.microsoft.com/office/powerpoint/2010/main" val="1587141629"/>
       </p:ext>
     </p:extLst>
   </p:cSld>
@@ -17739,6 +17057,96 @@
       </p:grpSpPr>
       <p:pic>
         <p:nvPicPr>
+          <p:cNvPr id="6" name="Picture 5">
+            <a:extLst>
+              <a:ext uri="{FF2B5EF4-FFF2-40B4-BE49-F238E27FC236}">
+                <a16:creationId xmlns:a16="http://schemas.microsoft.com/office/drawing/2014/main" id="{77B8ECB8-9905-D2B8-C27B-DBB945DFE390}"/>
+              </a:ext>
+            </a:extLst>
+          </p:cNvPr>
+          <p:cNvPicPr>
+            <a:picLocks noChangeAspect="1"/>
+          </p:cNvPicPr>
+          <p:nvPr/>
+        </p:nvPicPr>
+        <p:blipFill>
+          <a:blip r:embed="rId3"/>
+          <a:stretch>
+            <a:fillRect/>
+          </a:stretch>
+        </p:blipFill>
+        <p:spPr>
+          <a:xfrm>
+            <a:off x="323528" y="3717032"/>
+            <a:ext cx="2781541" cy="571550"/>
+          </a:xfrm>
+          <a:prstGeom prst="rect">
+            <a:avLst/>
+          </a:prstGeom>
+        </p:spPr>
+      </p:pic>
+      <p:pic>
+        <p:nvPicPr>
+          <p:cNvPr id="8" name="Picture 7">
+            <a:extLst>
+              <a:ext uri="{FF2B5EF4-FFF2-40B4-BE49-F238E27FC236}">
+                <a16:creationId xmlns:a16="http://schemas.microsoft.com/office/drawing/2014/main" id="{2DF84014-E2A8-DE0B-B135-151CDB8DDC9E}"/>
+              </a:ext>
+            </a:extLst>
+          </p:cNvPr>
+          <p:cNvPicPr>
+            <a:picLocks noChangeAspect="1"/>
+          </p:cNvPicPr>
+          <p:nvPr/>
+        </p:nvPicPr>
+        <p:blipFill>
+          <a:blip r:embed="rId4"/>
+          <a:stretch>
+            <a:fillRect/>
+          </a:stretch>
+        </p:blipFill>
+        <p:spPr>
+          <a:xfrm>
+            <a:off x="179512" y="620688"/>
+            <a:ext cx="3680779" cy="3817951"/>
+          </a:xfrm>
+          <a:prstGeom prst="rect">
+            <a:avLst/>
+          </a:prstGeom>
+        </p:spPr>
+      </p:pic>
+    </p:spTree>
+    <p:extLst>
+      <p:ext uri="{BB962C8B-B14F-4D97-AF65-F5344CB8AC3E}">
+        <p14:creationId xmlns:p14="http://schemas.microsoft.com/office/powerpoint/2010/main" val="71906463"/>
+      </p:ext>
+    </p:extLst>
+  </p:cSld>
+  <p:clrMapOvr>
+    <a:masterClrMapping/>
+  </p:clrMapOvr>
+</p:sld>
+</file>
+
+<file path=ppt/slides/slide41.xml><?xml version="1.0" encoding="utf-8"?>
+<p:sld xmlns:a="http://schemas.openxmlformats.org/drawingml/2006/main" xmlns:r="http://schemas.openxmlformats.org/officeDocument/2006/relationships" xmlns:p="http://schemas.openxmlformats.org/presentationml/2006/main">
+  <p:cSld>
+    <p:spTree>
+      <p:nvGrpSpPr>
+        <p:cNvPr id="1" name=""/>
+        <p:cNvGrpSpPr/>
+        <p:nvPr/>
+      </p:nvGrpSpPr>
+      <p:grpSpPr>
+        <a:xfrm>
+          <a:off x="0" y="0"/>
+          <a:ext cx="0" cy="0"/>
+          <a:chOff x="0" y="0"/>
+          <a:chExt cx="0" cy="0"/>
+        </a:xfrm>
+      </p:grpSpPr>
+      <p:pic>
+        <p:nvPicPr>
           <p:cNvPr id="3" name="Picture 2">
             <a:extLst>
               <a:ext uri="{FF2B5EF4-FFF2-40B4-BE49-F238E27FC236}">
@@ -17810,7 +17218,7 @@
 </p:sld>
 </file>
 
-<file path=ppt/slides/slide41.xml><?xml version="1.0" encoding="utf-8"?>
+<file path=ppt/slides/slide42.xml><?xml version="1.0" encoding="utf-8"?>
 <p:sld xmlns:a="http://schemas.openxmlformats.org/drawingml/2006/main" xmlns:r="http://schemas.openxmlformats.org/officeDocument/2006/relationships" xmlns:p="http://schemas.openxmlformats.org/presentationml/2006/main">
   <p:cSld>
     <p:spTree>

--- a/bbp-style-pack/images/style.pptx
+++ b/bbp-style-pack/images/style.pptx
@@ -5,7 +5,7 @@
     <p:sldMasterId id="2147483648" r:id="rId1"/>
   </p:sldMasterIdLst>
   <p:notesMasterIdLst>
-    <p:notesMasterId r:id="rId44"/>
+    <p:notesMasterId r:id="rId45"/>
   </p:notesMasterIdLst>
   <p:sldIdLst>
     <p:sldId id="256" r:id="rId2"/>
@@ -50,6 +50,7 @@
     <p:sldId id="294" r:id="rId41"/>
     <p:sldId id="295" r:id="rId42"/>
     <p:sldId id="296" r:id="rId43"/>
+    <p:sldId id="299" r:id="rId44"/>
   </p:sldIdLst>
   <p:sldSz cx="9144000" cy="6858000" type="screen4x3"/>
   <p:notesSz cx="6858000" cy="9144000"/>
@@ -170,7 +171,7 @@
 <file path=ppt/revisionInfo.xml><?xml version="1.0" encoding="utf-8"?>
 <p1510:revInfo xmlns:a="http://schemas.openxmlformats.org/drawingml/2006/main" xmlns:r="http://schemas.openxmlformats.org/officeDocument/2006/relationships" xmlns:p1510="http://schemas.microsoft.com/office/powerpoint/2015/10/main">
   <p1510:revLst>
-    <p1510:client id="{152A8D3E-CB2A-499D-9738-25D11458110A}" v="3" dt="2025-03-03T17:21:00.848"/>
+    <p1510:client id="{FE8DC85B-C142-43FA-BD0C-E55A90D06B15}" v="1" dt="2025-04-23T10:20:08.939"/>
   </p1510:revLst>
 </p1510:revInfo>
 </file>
@@ -241,6 +242,38 @@
           <pc:docMk/>
           <pc:sldMk cId="1038749230" sldId="286"/>
         </pc:sldMkLst>
+      </pc:sldChg>
+    </pc:docChg>
+  </pc:docChgLst>
+  <pc:docChgLst>
+    <pc:chgData name="robin wilson" userId="ce1af3a19a52ca63" providerId="LiveId" clId="{FE8DC85B-C142-43FA-BD0C-E55A90D06B15}"/>
+    <pc:docChg chg="addSld modSld">
+      <pc:chgData name="robin wilson" userId="ce1af3a19a52ca63" providerId="LiveId" clId="{FE8DC85B-C142-43FA-BD0C-E55A90D06B15}" dt="2025-04-23T10:20:34.607" v="29" actId="1037"/>
+      <pc:docMkLst>
+        <pc:docMk/>
+      </pc:docMkLst>
+      <pc:sldChg chg="addSp modSp new mod">
+        <pc:chgData name="robin wilson" userId="ce1af3a19a52ca63" providerId="LiveId" clId="{FE8DC85B-C142-43FA-BD0C-E55A90D06B15}" dt="2025-04-23T10:20:34.607" v="29" actId="1037"/>
+        <pc:sldMkLst>
+          <pc:docMk/>
+          <pc:sldMk cId="3770480947" sldId="299"/>
+        </pc:sldMkLst>
+        <pc:spChg chg="add mod">
+          <ac:chgData name="robin wilson" userId="ce1af3a19a52ca63" providerId="LiveId" clId="{FE8DC85B-C142-43FA-BD0C-E55A90D06B15}" dt="2025-04-23T10:20:34.607" v="29" actId="1037"/>
+          <ac:spMkLst>
+            <pc:docMk/>
+            <pc:sldMk cId="3770480947" sldId="299"/>
+            <ac:spMk id="2" creationId="{62D4BEAF-AA4C-17DF-57C0-43D55F6F15DA}"/>
+          </ac:spMkLst>
+        </pc:spChg>
+        <pc:picChg chg="add">
+          <ac:chgData name="robin wilson" userId="ce1af3a19a52ca63" providerId="LiveId" clId="{FE8DC85B-C142-43FA-BD0C-E55A90D06B15}" dt="2025-04-23T10:11:24.028" v="1" actId="22"/>
+          <ac:picMkLst>
+            <pc:docMk/>
+            <pc:sldMk cId="3770480947" sldId="299"/>
+            <ac:picMk id="3" creationId="{E5ACD450-4B84-7F9C-D055-AA1AA9B57570}"/>
+          </ac:picMkLst>
+        </pc:picChg>
       </pc:sldChg>
     </pc:docChg>
   </pc:docChgLst>
@@ -357,30 +390,6 @@
             <ac:picMk id="11" creationId="{70AE83DA-1AEF-218D-56B9-1DC27AADCFE7}"/>
           </ac:picMkLst>
         </pc:picChg>
-        <pc:picChg chg="add del">
-          <ac:chgData name="robin wilson" userId="ce1af3a19a52ca63" providerId="LiveId" clId="{152A8D3E-CB2A-499D-9738-25D11458110A}" dt="2025-03-03T17:18:49.352" v="14" actId="478"/>
-          <ac:picMkLst>
-            <pc:docMk/>
-            <pc:sldMk cId="1725799821" sldId="290"/>
-            <ac:picMk id="14" creationId="{FDD713DB-3D04-6829-F3D2-6C970A2684E4}"/>
-          </ac:picMkLst>
-        </pc:picChg>
-        <pc:picChg chg="add del">
-          <ac:chgData name="robin wilson" userId="ce1af3a19a52ca63" providerId="LiveId" clId="{152A8D3E-CB2A-499D-9738-25D11458110A}" dt="2025-03-03T17:18:56.898" v="16" actId="478"/>
-          <ac:picMkLst>
-            <pc:docMk/>
-            <pc:sldMk cId="1725799821" sldId="290"/>
-            <ac:picMk id="16" creationId="{B2B712D2-539E-8C72-9130-C8EB6E699BAB}"/>
-          </ac:picMkLst>
-        </pc:picChg>
-        <pc:picChg chg="add del">
-          <ac:chgData name="robin wilson" userId="ce1af3a19a52ca63" providerId="LiveId" clId="{152A8D3E-CB2A-499D-9738-25D11458110A}" dt="2025-03-03T17:19:13.995" v="18" actId="478"/>
-          <ac:picMkLst>
-            <pc:docMk/>
-            <pc:sldMk cId="1725799821" sldId="290"/>
-            <ac:picMk id="18" creationId="{70926AE8-21AF-D78A-6137-F406004E446F}"/>
-          </ac:picMkLst>
-        </pc:picChg>
         <pc:cxnChg chg="mod">
           <ac:chgData name="robin wilson" userId="ce1af3a19a52ca63" providerId="LiveId" clId="{152A8D3E-CB2A-499D-9738-25D11458110A}" dt="2025-03-03T17:14:46.349" v="2" actId="1076"/>
           <ac:cxnSpMkLst>
@@ -466,22 +475,6 @@
           <pc:docMk/>
           <pc:sldMk cId="1530084731" sldId="298"/>
         </pc:sldMkLst>
-        <pc:spChg chg="del">
-          <ac:chgData name="robin wilson" userId="ce1af3a19a52ca63" providerId="LiveId" clId="{152A8D3E-CB2A-499D-9738-25D11458110A}" dt="2025-03-03T17:20:15.201" v="29" actId="478"/>
-          <ac:spMkLst>
-            <pc:docMk/>
-            <pc:sldMk cId="1530084731" sldId="298"/>
-            <ac:spMk id="4" creationId="{4FFE7D67-9BF2-9B1C-9958-7B8C729B7732}"/>
-          </ac:spMkLst>
-        </pc:spChg>
-        <pc:spChg chg="del">
-          <ac:chgData name="robin wilson" userId="ce1af3a19a52ca63" providerId="LiveId" clId="{152A8D3E-CB2A-499D-9738-25D11458110A}" dt="2025-03-03T17:20:15.201" v="29" actId="478"/>
-          <ac:spMkLst>
-            <pc:docMk/>
-            <pc:sldMk cId="1530084731" sldId="298"/>
-            <ac:spMk id="5" creationId="{EC820344-D304-4A29-0CBF-1E61A9EF0274}"/>
-          </ac:spMkLst>
-        </pc:spChg>
         <pc:spChg chg="add mod">
           <ac:chgData name="robin wilson" userId="ce1af3a19a52ca63" providerId="LiveId" clId="{152A8D3E-CB2A-499D-9738-25D11458110A}" dt="2025-03-03T17:20:33.514" v="59" actId="20577"/>
           <ac:spMkLst>
@@ -490,22 +483,6 @@
             <ac:spMk id="13" creationId="{D94131B8-6611-3AAB-64AF-CD4C93E9EF89}"/>
           </ac:spMkLst>
         </pc:spChg>
-        <pc:picChg chg="del">
-          <ac:chgData name="robin wilson" userId="ce1af3a19a52ca63" providerId="LiveId" clId="{152A8D3E-CB2A-499D-9738-25D11458110A}" dt="2025-03-03T17:20:10.048" v="26" actId="478"/>
-          <ac:picMkLst>
-            <pc:docMk/>
-            <pc:sldMk cId="1530084731" sldId="298"/>
-            <ac:picMk id="3" creationId="{F1DEA2D3-5BE8-1B50-278A-5B8B13C1B189}"/>
-          </ac:picMkLst>
-        </pc:picChg>
-        <pc:picChg chg="del">
-          <ac:chgData name="robin wilson" userId="ce1af3a19a52ca63" providerId="LiveId" clId="{152A8D3E-CB2A-499D-9738-25D11458110A}" dt="2025-03-03T17:20:11.030" v="27" actId="478"/>
-          <ac:picMkLst>
-            <pc:docMk/>
-            <pc:sldMk cId="1530084731" sldId="298"/>
-            <ac:picMk id="8" creationId="{612A891D-7A3F-B45B-A9E1-F51E8C0F7134}"/>
-          </ac:picMkLst>
-        </pc:picChg>
         <pc:picChg chg="add">
           <ac:chgData name="robin wilson" userId="ce1af3a19a52ca63" providerId="LiveId" clId="{152A8D3E-CB2A-499D-9738-25D11458110A}" dt="2025-03-03T17:20:16.362" v="30" actId="22"/>
           <ac:picMkLst>
@@ -514,46 +491,6 @@
             <ac:picMk id="10" creationId="{2929FAF9-F10F-E5FE-07B6-EB3B64A90ECF}"/>
           </ac:picMkLst>
         </pc:picChg>
-        <pc:picChg chg="del">
-          <ac:chgData name="robin wilson" userId="ce1af3a19a52ca63" providerId="LiveId" clId="{152A8D3E-CB2A-499D-9738-25D11458110A}" dt="2025-03-03T17:20:11.944" v="28" actId="478"/>
-          <ac:picMkLst>
-            <pc:docMk/>
-            <pc:sldMk cId="1530084731" sldId="298"/>
-            <ac:picMk id="11" creationId="{204C794F-601C-675C-2EBD-13F7106AC5A5}"/>
-          </ac:picMkLst>
-        </pc:picChg>
-        <pc:cxnChg chg="del">
-          <ac:chgData name="robin wilson" userId="ce1af3a19a52ca63" providerId="LiveId" clId="{152A8D3E-CB2A-499D-9738-25D11458110A}" dt="2025-03-03T17:20:15.201" v="29" actId="478"/>
-          <ac:cxnSpMkLst>
-            <pc:docMk/>
-            <pc:sldMk cId="1530084731" sldId="298"/>
-            <ac:cxnSpMk id="6" creationId="{8E006D98-FAC0-88F9-9ED7-1958CE4F5A01}"/>
-          </ac:cxnSpMkLst>
-        </pc:cxnChg>
-        <pc:cxnChg chg="del">
-          <ac:chgData name="robin wilson" userId="ce1af3a19a52ca63" providerId="LiveId" clId="{152A8D3E-CB2A-499D-9738-25D11458110A}" dt="2025-03-03T17:20:15.201" v="29" actId="478"/>
-          <ac:cxnSpMkLst>
-            <pc:docMk/>
-            <pc:sldMk cId="1530084731" sldId="298"/>
-            <ac:cxnSpMk id="7" creationId="{B289D00F-984F-CF2D-1883-05665A5BE841}"/>
-          </ac:cxnSpMkLst>
-        </pc:cxnChg>
-        <pc:cxnChg chg="del">
-          <ac:chgData name="robin wilson" userId="ce1af3a19a52ca63" providerId="LiveId" clId="{152A8D3E-CB2A-499D-9738-25D11458110A}" dt="2025-03-03T17:20:15.201" v="29" actId="478"/>
-          <ac:cxnSpMkLst>
-            <pc:docMk/>
-            <pc:sldMk cId="1530084731" sldId="298"/>
-            <ac:cxnSpMk id="9" creationId="{18D87119-AA61-7ACD-B44E-D4029AF7E174}"/>
-          </ac:cxnSpMkLst>
-        </pc:cxnChg>
-        <pc:cxnChg chg="del mod">
-          <ac:chgData name="robin wilson" userId="ce1af3a19a52ca63" providerId="LiveId" clId="{152A8D3E-CB2A-499D-9738-25D11458110A}" dt="2025-03-03T17:20:15.201" v="29" actId="478"/>
-          <ac:cxnSpMkLst>
-            <pc:docMk/>
-            <pc:sldMk cId="1530084731" sldId="298"/>
-            <ac:cxnSpMk id="12" creationId="{C7B9D294-8E73-6EBE-D787-FE30F4797D76}"/>
-          </ac:cxnSpMkLst>
-        </pc:cxnChg>
       </pc:sldChg>
     </pc:docChg>
   </pc:docChgLst>
@@ -705,7 +642,7 @@
             <a:fld id="{A00E8BF8-3834-41CD-8D2C-1A8AEE216FA6}" type="datetimeFigureOut">
               <a:rPr lang="en-GB" smtClean="0"/>
               <a:pPr/>
-              <a:t>03/03/2025</a:t>
+              <a:t>23/04/2025</a:t>
             </a:fld>
             <a:endParaRPr lang="en-GB"/>
           </a:p>
@@ -1502,7 +1439,7 @@
             <a:fld id="{972E2E69-7931-4F78-AC03-7197C7B7D7E3}" type="datetimeFigureOut">
               <a:rPr lang="en-GB" smtClean="0"/>
               <a:pPr/>
-              <a:t>03/03/2025</a:t>
+              <a:t>23/04/2025</a:t>
             </a:fld>
             <a:endParaRPr lang="en-GB"/>
           </a:p>
@@ -1669,7 +1606,7 @@
             <a:fld id="{972E2E69-7931-4F78-AC03-7197C7B7D7E3}" type="datetimeFigureOut">
               <a:rPr lang="en-GB" smtClean="0"/>
               <a:pPr/>
-              <a:t>03/03/2025</a:t>
+              <a:t>23/04/2025</a:t>
             </a:fld>
             <a:endParaRPr lang="en-GB"/>
           </a:p>
@@ -1846,7 +1783,7 @@
             <a:fld id="{972E2E69-7931-4F78-AC03-7197C7B7D7E3}" type="datetimeFigureOut">
               <a:rPr lang="en-GB" smtClean="0"/>
               <a:pPr/>
-              <a:t>03/03/2025</a:t>
+              <a:t>23/04/2025</a:t>
             </a:fld>
             <a:endParaRPr lang="en-GB"/>
           </a:p>
@@ -2013,7 +1950,7 @@
             <a:fld id="{972E2E69-7931-4F78-AC03-7197C7B7D7E3}" type="datetimeFigureOut">
               <a:rPr lang="en-GB" smtClean="0"/>
               <a:pPr/>
-              <a:t>03/03/2025</a:t>
+              <a:t>23/04/2025</a:t>
             </a:fld>
             <a:endParaRPr lang="en-GB"/>
           </a:p>
@@ -2256,7 +2193,7 @@
             <a:fld id="{972E2E69-7931-4F78-AC03-7197C7B7D7E3}" type="datetimeFigureOut">
               <a:rPr lang="en-GB" smtClean="0"/>
               <a:pPr/>
-              <a:t>03/03/2025</a:t>
+              <a:t>23/04/2025</a:t>
             </a:fld>
             <a:endParaRPr lang="en-GB"/>
           </a:p>
@@ -2541,7 +2478,7 @@
             <a:fld id="{972E2E69-7931-4F78-AC03-7197C7B7D7E3}" type="datetimeFigureOut">
               <a:rPr lang="en-GB" smtClean="0"/>
               <a:pPr/>
-              <a:t>03/03/2025</a:t>
+              <a:t>23/04/2025</a:t>
             </a:fld>
             <a:endParaRPr lang="en-GB"/>
           </a:p>
@@ -2960,7 +2897,7 @@
             <a:fld id="{972E2E69-7931-4F78-AC03-7197C7B7D7E3}" type="datetimeFigureOut">
               <a:rPr lang="en-GB" smtClean="0"/>
               <a:pPr/>
-              <a:t>03/03/2025</a:t>
+              <a:t>23/04/2025</a:t>
             </a:fld>
             <a:endParaRPr lang="en-GB"/>
           </a:p>
@@ -3075,7 +3012,7 @@
             <a:fld id="{972E2E69-7931-4F78-AC03-7197C7B7D7E3}" type="datetimeFigureOut">
               <a:rPr lang="en-GB" smtClean="0"/>
               <a:pPr/>
-              <a:t>03/03/2025</a:t>
+              <a:t>23/04/2025</a:t>
             </a:fld>
             <a:endParaRPr lang="en-GB"/>
           </a:p>
@@ -3167,7 +3104,7 @@
             <a:fld id="{972E2E69-7931-4F78-AC03-7197C7B7D7E3}" type="datetimeFigureOut">
               <a:rPr lang="en-GB" smtClean="0"/>
               <a:pPr/>
-              <a:t>03/03/2025</a:t>
+              <a:t>23/04/2025</a:t>
             </a:fld>
             <a:endParaRPr lang="en-GB"/>
           </a:p>
@@ -3441,7 +3378,7 @@
             <a:fld id="{972E2E69-7931-4F78-AC03-7197C7B7D7E3}" type="datetimeFigureOut">
               <a:rPr lang="en-GB" smtClean="0"/>
               <a:pPr/>
-              <a:t>03/03/2025</a:t>
+              <a:t>23/04/2025</a:t>
             </a:fld>
             <a:endParaRPr lang="en-GB"/>
           </a:p>
@@ -3691,7 +3628,7 @@
             <a:fld id="{972E2E69-7931-4F78-AC03-7197C7B7D7E3}" type="datetimeFigureOut">
               <a:rPr lang="en-GB" smtClean="0"/>
               <a:pPr/>
-              <a:t>03/03/2025</a:t>
+              <a:t>23/04/2025</a:t>
             </a:fld>
             <a:endParaRPr lang="en-GB"/>
           </a:p>
@@ -3901,7 +3838,7 @@
             <a:fld id="{972E2E69-7931-4F78-AC03-7197C7B7D7E3}" type="datetimeFigureOut">
               <a:rPr lang="en-GB" smtClean="0"/>
               <a:pPr/>
-              <a:t>03/03/2025</a:t>
+              <a:t>23/04/2025</a:t>
             </a:fld>
             <a:endParaRPr lang="en-GB"/>
           </a:p>
@@ -17305,6 +17242,102 @@
     <p:extLst>
       <p:ext uri="{BB962C8B-B14F-4D97-AF65-F5344CB8AC3E}">
         <p14:creationId xmlns:p14="http://schemas.microsoft.com/office/powerpoint/2010/main" val="2780234029"/>
+      </p:ext>
+    </p:extLst>
+  </p:cSld>
+  <p:clrMapOvr>
+    <a:masterClrMapping/>
+  </p:clrMapOvr>
+</p:sld>
+</file>
+
+<file path=ppt/slides/slide43.xml><?xml version="1.0" encoding="utf-8"?>
+<p:sld xmlns:a="http://schemas.openxmlformats.org/drawingml/2006/main" xmlns:r="http://schemas.openxmlformats.org/officeDocument/2006/relationships" xmlns:p="http://schemas.openxmlformats.org/presentationml/2006/main">
+  <p:cSld>
+    <p:spTree>
+      <p:nvGrpSpPr>
+        <p:cNvPr id="1" name=""/>
+        <p:cNvGrpSpPr/>
+        <p:nvPr/>
+      </p:nvGrpSpPr>
+      <p:grpSpPr>
+        <a:xfrm>
+          <a:off x="0" y="0"/>
+          <a:ext cx="0" cy="0"/>
+          <a:chOff x="0" y="0"/>
+          <a:chExt cx="0" cy="0"/>
+        </a:xfrm>
+      </p:grpSpPr>
+      <p:pic>
+        <p:nvPicPr>
+          <p:cNvPr id="3" name="Picture 2">
+            <a:extLst>
+              <a:ext uri="{FF2B5EF4-FFF2-40B4-BE49-F238E27FC236}">
+                <a16:creationId xmlns:a16="http://schemas.microsoft.com/office/drawing/2014/main" id="{E5ACD450-4B84-7F9C-D055-AA1AA9B57570}"/>
+              </a:ext>
+            </a:extLst>
+          </p:cNvPr>
+          <p:cNvPicPr>
+            <a:picLocks noChangeAspect="1"/>
+          </p:cNvPicPr>
+          <p:nvPr/>
+        </p:nvPicPr>
+        <p:blipFill>
+          <a:blip r:embed="rId2"/>
+          <a:stretch>
+            <a:fillRect/>
+          </a:stretch>
+        </p:blipFill>
+        <p:spPr>
+          <a:xfrm>
+            <a:off x="563532" y="2796485"/>
+            <a:ext cx="8016935" cy="1265030"/>
+          </a:xfrm>
+          <a:prstGeom prst="rect">
+            <a:avLst/>
+          </a:prstGeom>
+        </p:spPr>
+      </p:pic>
+      <p:sp>
+        <p:nvSpPr>
+          <p:cNvPr id="2" name="TextBox 1">
+            <a:extLst>
+              <a:ext uri="{FF2B5EF4-FFF2-40B4-BE49-F238E27FC236}">
+                <a16:creationId xmlns:a16="http://schemas.microsoft.com/office/drawing/2014/main" id="{62D4BEAF-AA4C-17DF-57C0-43D55F6F15DA}"/>
+              </a:ext>
+            </a:extLst>
+          </p:cNvPr>
+          <p:cNvSpPr txBox="1"/>
+          <p:nvPr/>
+        </p:nvSpPr>
+        <p:spPr>
+          <a:xfrm>
+            <a:off x="522352" y="2427153"/>
+            <a:ext cx="1039708" cy="369332"/>
+          </a:xfrm>
+          <a:prstGeom prst="rect">
+            <a:avLst/>
+          </a:prstGeom>
+          <a:noFill/>
+        </p:spPr>
+        <p:txBody>
+          <a:bodyPr wrap="none" rtlCol="0">
+            <a:spAutoFit/>
+          </a:bodyPr>
+          <a:lstStyle/>
+          <a:p>
+            <a:r>
+              <a:rPr lang="en-US" dirty="0"/>
+              <a:t>Example:</a:t>
+            </a:r>
+            <a:endParaRPr lang="en-GB" dirty="0"/>
+          </a:p>
+        </p:txBody>
+      </p:sp>
+    </p:spTree>
+    <p:extLst>
+      <p:ext uri="{BB962C8B-B14F-4D97-AF65-F5344CB8AC3E}">
+        <p14:creationId xmlns:p14="http://schemas.microsoft.com/office/powerpoint/2010/main" val="3770480947"/>
       </p:ext>
     </p:extLst>
   </p:cSld>
